--- a/MVC Java con Spark.pptx
+++ b/MVC Java con Spark.pptx
@@ -5,7 +5,7 @@
     <p:sldMasterId id="2147483660" r:id="rId1"/>
   </p:sldMasterIdLst>
   <p:notesMasterIdLst>
-    <p:notesMasterId r:id="rId36"/>
+    <p:notesMasterId r:id="rId37"/>
   </p:notesMasterIdLst>
   <p:sldIdLst>
     <p:sldId id="256" r:id="rId2"/>
@@ -18,30 +18,31 @@
     <p:sldId id="278" r:id="rId9"/>
     <p:sldId id="279" r:id="rId10"/>
     <p:sldId id="284" r:id="rId11"/>
-    <p:sldId id="280" r:id="rId12"/>
-    <p:sldId id="281" r:id="rId13"/>
-    <p:sldId id="282" r:id="rId14"/>
-    <p:sldId id="283" r:id="rId15"/>
-    <p:sldId id="285" r:id="rId16"/>
-    <p:sldId id="286" r:id="rId17"/>
-    <p:sldId id="288" r:id="rId18"/>
-    <p:sldId id="287" r:id="rId19"/>
-    <p:sldId id="289" r:id="rId20"/>
-    <p:sldId id="290" r:id="rId21"/>
-    <p:sldId id="291" r:id="rId22"/>
-    <p:sldId id="292" r:id="rId23"/>
-    <p:sldId id="294" r:id="rId24"/>
-    <p:sldId id="295" r:id="rId25"/>
-    <p:sldId id="296" r:id="rId26"/>
-    <p:sldId id="297" r:id="rId27"/>
-    <p:sldId id="293" r:id="rId28"/>
-    <p:sldId id="298" r:id="rId29"/>
-    <p:sldId id="300" r:id="rId30"/>
-    <p:sldId id="299" r:id="rId31"/>
-    <p:sldId id="301" r:id="rId32"/>
-    <p:sldId id="302" r:id="rId33"/>
-    <p:sldId id="303" r:id="rId34"/>
-    <p:sldId id="270" r:id="rId35"/>
+    <p:sldId id="304" r:id="rId12"/>
+    <p:sldId id="280" r:id="rId13"/>
+    <p:sldId id="281" r:id="rId14"/>
+    <p:sldId id="282" r:id="rId15"/>
+    <p:sldId id="283" r:id="rId16"/>
+    <p:sldId id="285" r:id="rId17"/>
+    <p:sldId id="286" r:id="rId18"/>
+    <p:sldId id="288" r:id="rId19"/>
+    <p:sldId id="287" r:id="rId20"/>
+    <p:sldId id="289" r:id="rId21"/>
+    <p:sldId id="290" r:id="rId22"/>
+    <p:sldId id="291" r:id="rId23"/>
+    <p:sldId id="292" r:id="rId24"/>
+    <p:sldId id="294" r:id="rId25"/>
+    <p:sldId id="295" r:id="rId26"/>
+    <p:sldId id="296" r:id="rId27"/>
+    <p:sldId id="297" r:id="rId28"/>
+    <p:sldId id="293" r:id="rId29"/>
+    <p:sldId id="298" r:id="rId30"/>
+    <p:sldId id="300" r:id="rId31"/>
+    <p:sldId id="299" r:id="rId32"/>
+    <p:sldId id="301" r:id="rId33"/>
+    <p:sldId id="302" r:id="rId34"/>
+    <p:sldId id="303" r:id="rId35"/>
+    <p:sldId id="270" r:id="rId36"/>
   </p:sldIdLst>
   <p:sldSz cx="12192000" cy="6858000"/>
   <p:notesSz cx="6858000" cy="9144000"/>
@@ -230,7 +231,7 @@
           <a:p>
             <a:fld id="{64B9CBFC-75CF-4195-BC42-43B8E85212BD}" type="datetimeFigureOut">
               <a:rPr lang="es-ES" smtClean="0"/>
-              <a:t>04/05/2016</a:t>
+              <a:t>21/02/2017</a:t>
             </a:fld>
             <a:endParaRPr lang="es-ES"/>
           </a:p>
@@ -936,7 +937,7 @@
           <a:p>
             <a:fld id="{F50F98D6-4050-4563-907F-FD2BF242AD16}" type="datetimeFigureOut">
               <a:rPr lang="es-ES" smtClean="0"/>
-              <a:t>04/05/2016</a:t>
+              <a:t>21/02/2017</a:t>
             </a:fld>
             <a:endParaRPr lang="es-ES"/>
           </a:p>
@@ -1219,7 +1220,7 @@
           <a:p>
             <a:fld id="{F50F98D6-4050-4563-907F-FD2BF242AD16}" type="datetimeFigureOut">
               <a:rPr lang="es-ES" smtClean="0"/>
-              <a:t>04/05/2016</a:t>
+              <a:t>21/02/2017</a:t>
             </a:fld>
             <a:endParaRPr lang="es-ES"/>
           </a:p>
@@ -1421,7 +1422,7 @@
           <a:p>
             <a:fld id="{F50F98D6-4050-4563-907F-FD2BF242AD16}" type="datetimeFigureOut">
               <a:rPr lang="es-ES" smtClean="0"/>
-              <a:t>04/05/2016</a:t>
+              <a:t>21/02/2017</a:t>
             </a:fld>
             <a:endParaRPr lang="es-ES"/>
           </a:p>
@@ -1702,7 +1703,7 @@
           <a:p>
             <a:fld id="{F50F98D6-4050-4563-907F-FD2BF242AD16}" type="datetimeFigureOut">
               <a:rPr lang="es-ES" smtClean="0"/>
-              <a:t>04/05/2016</a:t>
+              <a:t>21/02/2017</a:t>
             </a:fld>
             <a:endParaRPr lang="es-ES"/>
           </a:p>
@@ -2051,7 +2052,7 @@
           <a:p>
             <a:fld id="{F50F98D6-4050-4563-907F-FD2BF242AD16}" type="datetimeFigureOut">
               <a:rPr lang="es-ES" smtClean="0"/>
-              <a:t>04/05/2016</a:t>
+              <a:t>21/02/2017</a:t>
             </a:fld>
             <a:endParaRPr lang="es-ES"/>
           </a:p>
@@ -2682,7 +2683,7 @@
           <a:p>
             <a:fld id="{F50F98D6-4050-4563-907F-FD2BF242AD16}" type="datetimeFigureOut">
               <a:rPr lang="es-ES" smtClean="0"/>
-              <a:t>04/05/2016</a:t>
+              <a:t>21/02/2017</a:t>
             </a:fld>
             <a:endParaRPr lang="es-ES"/>
           </a:p>
@@ -3550,7 +3551,7 @@
           <a:p>
             <a:fld id="{F50F98D6-4050-4563-907F-FD2BF242AD16}" type="datetimeFigureOut">
               <a:rPr lang="es-ES" smtClean="0"/>
-              <a:t>04/05/2016</a:t>
+              <a:t>21/02/2017</a:t>
             </a:fld>
             <a:endParaRPr lang="es-ES"/>
           </a:p>
@@ -3728,7 +3729,7 @@
           <a:p>
             <a:fld id="{F50F98D6-4050-4563-907F-FD2BF242AD16}" type="datetimeFigureOut">
               <a:rPr lang="es-ES" smtClean="0"/>
-              <a:t>04/05/2016</a:t>
+              <a:t>21/02/2017</a:t>
             </a:fld>
             <a:endParaRPr lang="es-ES"/>
           </a:p>
@@ -3916,7 +3917,7 @@
           <a:p>
             <a:fld id="{F50F98D6-4050-4563-907F-FD2BF242AD16}" type="datetimeFigureOut">
               <a:rPr lang="es-ES" smtClean="0"/>
-              <a:t>04/05/2016</a:t>
+              <a:t>21/02/2017</a:t>
             </a:fld>
             <a:endParaRPr lang="es-ES"/>
           </a:p>
@@ -4071,7 +4072,7 @@
           <a:p>
             <a:fld id="{F50F98D6-4050-4563-907F-FD2BF242AD16}" type="datetimeFigureOut">
               <a:rPr lang="es-ES" smtClean="0"/>
-              <a:t>04/05/2016</a:t>
+              <a:t>21/02/2017</a:t>
             </a:fld>
             <a:endParaRPr lang="es-ES"/>
           </a:p>
@@ -4226,7 +4227,7 @@
           <a:p>
             <a:fld id="{F50F98D6-4050-4563-907F-FD2BF242AD16}" type="datetimeFigureOut">
               <a:rPr lang="es-ES" smtClean="0"/>
-              <a:t>04/05/2016</a:t>
+              <a:t>21/02/2017</a:t>
             </a:fld>
             <a:endParaRPr lang="es-ES"/>
           </a:p>
@@ -4404,7 +4405,7 @@
           <a:p>
             <a:fld id="{F50F98D6-4050-4563-907F-FD2BF242AD16}" type="datetimeFigureOut">
               <a:rPr lang="es-ES" smtClean="0"/>
-              <a:t>04/05/2016</a:t>
+              <a:t>21/02/2017</a:t>
             </a:fld>
             <a:endParaRPr lang="es-ES"/>
           </a:p>
@@ -4559,7 +4560,7 @@
           <a:p>
             <a:fld id="{F50F98D6-4050-4563-907F-FD2BF242AD16}" type="datetimeFigureOut">
               <a:rPr lang="es-ES" smtClean="0"/>
-              <a:t>04/05/2016</a:t>
+              <a:t>21/02/2017</a:t>
             </a:fld>
             <a:endParaRPr lang="es-ES"/>
           </a:p>
@@ -4814,7 +4815,7 @@
           <a:p>
             <a:fld id="{F50F98D6-4050-4563-907F-FD2BF242AD16}" type="datetimeFigureOut">
               <a:rPr lang="es-ES" smtClean="0"/>
-              <a:t>04/05/2016</a:t>
+              <a:t>21/02/2017</a:t>
             </a:fld>
             <a:endParaRPr lang="es-ES"/>
           </a:p>
@@ -5114,7 +5115,7 @@
           <a:p>
             <a:fld id="{F50F98D6-4050-4563-907F-FD2BF242AD16}" type="datetimeFigureOut">
               <a:rPr lang="es-ES" smtClean="0"/>
-              <a:t>04/05/2016</a:t>
+              <a:t>21/02/2017</a:t>
             </a:fld>
             <a:endParaRPr lang="es-ES"/>
           </a:p>
@@ -5566,7 +5567,7 @@
           <a:p>
             <a:fld id="{F50F98D6-4050-4563-907F-FD2BF242AD16}" type="datetimeFigureOut">
               <a:rPr lang="es-ES" smtClean="0"/>
-              <a:t>04/05/2016</a:t>
+              <a:t>21/02/2017</a:t>
             </a:fld>
             <a:endParaRPr lang="es-ES"/>
           </a:p>
@@ -5692,7 +5693,7 @@
           <a:p>
             <a:fld id="{F50F98D6-4050-4563-907F-FD2BF242AD16}" type="datetimeFigureOut">
               <a:rPr lang="es-ES" smtClean="0"/>
-              <a:t>04/05/2016</a:t>
+              <a:t>21/02/2017</a:t>
             </a:fld>
             <a:endParaRPr lang="es-ES"/>
           </a:p>
@@ -5795,7 +5796,7 @@
           <a:p>
             <a:fld id="{F50F98D6-4050-4563-907F-FD2BF242AD16}" type="datetimeFigureOut">
               <a:rPr lang="es-ES" smtClean="0"/>
-              <a:t>04/05/2016</a:t>
+              <a:t>21/02/2017</a:t>
             </a:fld>
             <a:endParaRPr lang="es-ES"/>
           </a:p>
@@ -6082,7 +6083,7 @@
           <a:p>
             <a:fld id="{F50F98D6-4050-4563-907F-FD2BF242AD16}" type="datetimeFigureOut">
               <a:rPr lang="es-ES" smtClean="0"/>
-              <a:t>04/05/2016</a:t>
+              <a:t>21/02/2017</a:t>
             </a:fld>
             <a:endParaRPr lang="es-ES"/>
           </a:p>
@@ -6365,7 +6366,7 @@
           <a:p>
             <a:fld id="{F50F98D6-4050-4563-907F-FD2BF242AD16}" type="datetimeFigureOut">
               <a:rPr lang="es-ES" smtClean="0"/>
-              <a:t>04/05/2016</a:t>
+              <a:t>21/02/2017</a:t>
             </a:fld>
             <a:endParaRPr lang="es-ES"/>
           </a:p>
@@ -6766,7 +6767,7 @@
           <a:p>
             <a:fld id="{F50F98D6-4050-4563-907F-FD2BF242AD16}" type="datetimeFigureOut">
               <a:rPr lang="es-ES" smtClean="0"/>
-              <a:t>04/05/2016</a:t>
+              <a:t>21/02/2017</a:t>
             </a:fld>
             <a:endParaRPr lang="es-ES"/>
           </a:p>
@@ -7779,6 +7780,264 @@
         </p:nvSpPr>
         <p:spPr>
           <a:xfrm>
+            <a:off x="838199" y="1581186"/>
+            <a:ext cx="10016905" cy="4855828"/>
+          </a:xfrm>
+        </p:spPr>
+        <p:txBody>
+          <a:bodyPr>
+            <a:normAutofit/>
+          </a:bodyPr>
+          <a:lstStyle/>
+          <a:p>
+            <a:pPr marL="0" indent="0">
+              <a:buNone/>
+            </a:pPr>
+            <a:r>
+              <a:rPr lang="es-ES" b="1" dirty="0" smtClean="0"/>
+              <a:t>Simulador de tiradas de dados</a:t>
+            </a:r>
+            <a:r>
+              <a:rPr lang="en-US" dirty="0" smtClean="0"/>
+              <a:t>: </a:t>
+            </a:r>
+            <a:endParaRPr lang="en-US" dirty="0" smtClean="0"/>
+          </a:p>
+          <a:p>
+            <a:pPr marL="0" indent="0">
+              <a:buNone/>
+            </a:pPr>
+            <a:endParaRPr lang="en-US" dirty="0" smtClean="0">
+              <a:latin typeface="Courier New" panose="02070309020205020404" pitchFamily="49" charset="0"/>
+              <a:cs typeface="Courier New" panose="02070309020205020404" pitchFamily="49" charset="0"/>
+            </a:endParaRPr>
+          </a:p>
+          <a:p>
+            <a:r>
+              <a:rPr lang="en-US" b="1" dirty="0" err="1"/>
+              <a:t>R</a:t>
+            </a:r>
+            <a:r>
+              <a:rPr lang="en-US" b="1" dirty="0" err="1" smtClean="0"/>
+              <a:t>uta</a:t>
+            </a:r>
+            <a:r>
+              <a:rPr lang="en-US" dirty="0"/>
+              <a:t>:</a:t>
+            </a:r>
+          </a:p>
+          <a:p>
+            <a:pPr marL="0" indent="0">
+              <a:buNone/>
+            </a:pPr>
+            <a:r>
+              <a:rPr lang="es-ES" i="1" dirty="0" smtClean="0"/>
+              <a:t>/roll/</a:t>
+            </a:r>
+            <a:r>
+              <a:rPr lang="es-ES" dirty="0" smtClean="0"/>
+              <a:t>:</a:t>
+            </a:r>
+            <a:r>
+              <a:rPr lang="es-ES" dirty="0" err="1"/>
+              <a:t>num</a:t>
+            </a:r>
+            <a:r>
+              <a:rPr lang="es-ES" dirty="0"/>
+              <a:t>/d/:</a:t>
+            </a:r>
+            <a:r>
+              <a:rPr lang="es-ES" dirty="0" smtClean="0"/>
+              <a:t>caras</a:t>
+            </a:r>
+          </a:p>
+          <a:p>
+            <a:pPr marL="0" indent="0">
+              <a:buNone/>
+            </a:pPr>
+            <a:endParaRPr lang="en-US" dirty="0" smtClean="0">
+              <a:latin typeface="Courier New" panose="02070309020205020404" pitchFamily="49" charset="0"/>
+              <a:cs typeface="Courier New" panose="02070309020205020404" pitchFamily="49" charset="0"/>
+            </a:endParaRPr>
+          </a:p>
+          <a:p>
+            <a:r>
+              <a:rPr lang="en-US" b="1" dirty="0" smtClean="0"/>
+              <a:t>Variables</a:t>
+            </a:r>
+            <a:r>
+              <a:rPr lang="en-US" dirty="0" smtClean="0"/>
+              <a:t>:</a:t>
+            </a:r>
+            <a:endParaRPr lang="en-US" dirty="0"/>
+          </a:p>
+          <a:p>
+            <a:pPr marL="0" indent="0">
+              <a:buNone/>
+            </a:pPr>
+            <a:r>
+              <a:rPr lang="en-US" i="1" dirty="0" smtClean="0"/>
+              <a:t>:</a:t>
+            </a:r>
+            <a:r>
+              <a:rPr lang="en-US" i="1" dirty="0" err="1" smtClean="0"/>
+              <a:t>num</a:t>
+            </a:r>
+            <a:r>
+              <a:rPr lang="en-US" i="1" dirty="0" smtClean="0"/>
+              <a:t> = </a:t>
+            </a:r>
+            <a:r>
+              <a:rPr lang="en-US" i="1" dirty="0" err="1" smtClean="0"/>
+              <a:t>Número</a:t>
+            </a:r>
+            <a:r>
+              <a:rPr lang="en-US" i="1" dirty="0" smtClean="0"/>
+              <a:t> de dados </a:t>
+            </a:r>
+            <a:r>
+              <a:rPr lang="en-US" i="1" dirty="0" err="1" smtClean="0"/>
+              <a:t>lanzados</a:t>
+            </a:r>
+            <a:endParaRPr lang="en-US" i="1" dirty="0" smtClean="0"/>
+          </a:p>
+          <a:p>
+            <a:pPr marL="0" indent="0">
+              <a:buNone/>
+            </a:pPr>
+            <a:r>
+              <a:rPr lang="en-US" i="1" dirty="0" smtClean="0"/>
+              <a:t>:</a:t>
+            </a:r>
+            <a:r>
+              <a:rPr lang="en-US" i="1" dirty="0" err="1" smtClean="0"/>
+              <a:t>caras</a:t>
+            </a:r>
+            <a:r>
+              <a:rPr lang="en-US" i="1" dirty="0" smtClean="0"/>
+              <a:t> = </a:t>
+            </a:r>
+            <a:r>
+              <a:rPr lang="en-US" i="1" dirty="0" err="1" smtClean="0"/>
+              <a:t>Número</a:t>
+            </a:r>
+            <a:r>
+              <a:rPr lang="en-US" i="1" dirty="0" smtClean="0"/>
+              <a:t> de </a:t>
+            </a:r>
+            <a:r>
+              <a:rPr lang="en-US" i="1" dirty="0" err="1" smtClean="0"/>
+              <a:t>caras</a:t>
+            </a:r>
+            <a:r>
+              <a:rPr lang="en-US" i="1" dirty="0" smtClean="0"/>
+              <a:t> del dado</a:t>
+            </a:r>
+            <a:endParaRPr lang="en-US" i="1" dirty="0"/>
+          </a:p>
+        </p:txBody>
+      </p:sp>
+      <p:sp>
+        <p:nvSpPr>
+          <p:cNvPr id="2" name="Título 1"/>
+          <p:cNvSpPr>
+            <a:spLocks noGrp="1"/>
+          </p:cNvSpPr>
+          <p:nvPr>
+            <p:ph type="title" idx="4294967295"/>
+          </p:nvPr>
+        </p:nvSpPr>
+        <p:spPr>
+          <a:xfrm>
+            <a:off x="534150" y="365126"/>
+            <a:ext cx="9981450" cy="759516"/>
+          </a:xfrm>
+        </p:spPr>
+        <p:txBody>
+          <a:bodyPr/>
+          <a:lstStyle/>
+          <a:p>
+            <a:r>
+              <a:rPr lang="es-ES" dirty="0" smtClean="0"/>
+              <a:t>Ejercicio</a:t>
+            </a:r>
+            <a:endParaRPr lang="es-ES" dirty="0"/>
+          </a:p>
+        </p:txBody>
+      </p:sp>
+      <p:pic>
+        <p:nvPicPr>
+          <p:cNvPr id="6" name="Imagen 5"/>
+          <p:cNvPicPr>
+            <a:picLocks noChangeAspect="1"/>
+          </p:cNvPicPr>
+          <p:nvPr/>
+        </p:nvPicPr>
+        <p:blipFill>
+          <a:blip r:embed="rId2"/>
+          <a:stretch>
+            <a:fillRect/>
+          </a:stretch>
+        </p:blipFill>
+        <p:spPr>
+          <a:xfrm>
+            <a:off x="5524875" y="2750839"/>
+            <a:ext cx="6029325" cy="3686175"/>
+          </a:xfrm>
+          <a:prstGeom prst="rect">
+            <a:avLst/>
+          </a:prstGeom>
+        </p:spPr>
+      </p:pic>
+    </p:spTree>
+    <p:extLst>
+      <p:ext uri="{BB962C8B-B14F-4D97-AF65-F5344CB8AC3E}">
+        <p14:creationId xmlns:p14="http://schemas.microsoft.com/office/powerpoint/2010/main" val="1393076912"/>
+      </p:ext>
+    </p:extLst>
+  </p:cSld>
+  <p:clrMapOvr>
+    <a:masterClrMapping/>
+  </p:clrMapOvr>
+  <p:timing>
+    <p:tnLst>
+      <p:par>
+        <p:cTn id="1" dur="indefinite" restart="never" nodeType="tmRoot"/>
+      </p:par>
+    </p:tnLst>
+  </p:timing>
+</p:sld>
+</file>
+
+<file path=ppt/slides/slide12.xml><?xml version="1.0" encoding="utf-8"?>
+<p:sld xmlns:a="http://schemas.openxmlformats.org/drawingml/2006/main" xmlns:r="http://schemas.openxmlformats.org/officeDocument/2006/relationships" xmlns:p="http://schemas.openxmlformats.org/presentationml/2006/main">
+  <p:cSld>
+    <p:spTree>
+      <p:nvGrpSpPr>
+        <p:cNvPr id="1" name=""/>
+        <p:cNvGrpSpPr/>
+        <p:nvPr/>
+      </p:nvGrpSpPr>
+      <p:grpSpPr>
+        <a:xfrm>
+          <a:off x="0" y="0"/>
+          <a:ext cx="0" cy="0"/>
+          <a:chOff x="0" y="0"/>
+          <a:chExt cx="0" cy="0"/>
+        </a:xfrm>
+      </p:grpSpPr>
+      <p:sp>
+        <p:nvSpPr>
+          <p:cNvPr id="3" name="Marcador de contenido 2"/>
+          <p:cNvSpPr>
+            <a:spLocks noGrp="1"/>
+          </p:cNvSpPr>
+          <p:nvPr>
+            <p:ph idx="1"/>
+          </p:nvPr>
+        </p:nvSpPr>
+        <p:spPr>
+          <a:xfrm>
             <a:off x="639023" y="1427272"/>
             <a:ext cx="10904145" cy="1542996"/>
           </a:xfrm>
@@ -8586,163 +8845,6 @@
 </p:sld>
 </file>
 
-<file path=ppt/slides/slide12.xml><?xml version="1.0" encoding="utf-8"?>
-<p:sld xmlns:a="http://schemas.openxmlformats.org/drawingml/2006/main" xmlns:r="http://schemas.openxmlformats.org/officeDocument/2006/relationships" xmlns:p="http://schemas.openxmlformats.org/presentationml/2006/main">
-  <p:cSld>
-    <p:spTree>
-      <p:nvGrpSpPr>
-        <p:cNvPr id="1" name=""/>
-        <p:cNvGrpSpPr/>
-        <p:nvPr/>
-      </p:nvGrpSpPr>
-      <p:grpSpPr>
-        <a:xfrm>
-          <a:off x="0" y="0"/>
-          <a:ext cx="0" cy="0"/>
-          <a:chOff x="0" y="0"/>
-          <a:chExt cx="0" cy="0"/>
-        </a:xfrm>
-      </p:grpSpPr>
-      <p:sp>
-        <p:nvSpPr>
-          <p:cNvPr id="3" name="Marcador de contenido 2"/>
-          <p:cNvSpPr>
-            <a:spLocks noGrp="1"/>
-          </p:cNvSpPr>
-          <p:nvPr>
-            <p:ph idx="1"/>
-          </p:nvPr>
-        </p:nvSpPr>
-        <p:spPr>
-          <a:xfrm>
-            <a:off x="639023" y="1427271"/>
-            <a:ext cx="10904145" cy="4928261"/>
-          </a:xfrm>
-        </p:spPr>
-        <p:txBody>
-          <a:bodyPr>
-            <a:normAutofit/>
-          </a:bodyPr>
-          <a:lstStyle/>
-          <a:p>
-            <a:pPr marL="0" indent="0" algn="just">
-              <a:buNone/>
-            </a:pPr>
-            <a:r>
-              <a:rPr lang="es-ES" b="1" dirty="0" smtClean="0"/>
-              <a:t>Hola mundo con </a:t>
-            </a:r>
-            <a:r>
-              <a:rPr lang="es-ES" b="1" dirty="0" err="1" smtClean="0"/>
-              <a:t>Freemarker</a:t>
-            </a:r>
-            <a:r>
-              <a:rPr lang="es-ES" dirty="0" smtClean="0"/>
-              <a:t>. </a:t>
-            </a:r>
-          </a:p>
-          <a:p>
-            <a:pPr algn="just"/>
-            <a:r>
-              <a:rPr lang="es-ES" b="1" dirty="0" smtClean="0"/>
-              <a:t>Paso 1</a:t>
-            </a:r>
-            <a:r>
-              <a:rPr lang="es-ES" dirty="0" smtClean="0"/>
-              <a:t>: Incluir dependencias en el fichero </a:t>
-            </a:r>
-            <a:r>
-              <a:rPr lang="es-ES" b="1" dirty="0" smtClean="0"/>
-              <a:t>pom.xml</a:t>
-            </a:r>
-            <a:r>
-              <a:rPr lang="es-ES" dirty="0" smtClean="0"/>
-              <a:t>.</a:t>
-            </a:r>
-          </a:p>
-        </p:txBody>
-      </p:sp>
-      <p:sp>
-        <p:nvSpPr>
-          <p:cNvPr id="2" name="Título 1"/>
-          <p:cNvSpPr>
-            <a:spLocks noGrp="1"/>
-          </p:cNvSpPr>
-          <p:nvPr>
-            <p:ph type="title" idx="4294967295"/>
-          </p:nvPr>
-        </p:nvSpPr>
-        <p:spPr>
-          <a:xfrm>
-            <a:off x="534150" y="365126"/>
-            <a:ext cx="9981450" cy="759516"/>
-          </a:xfrm>
-        </p:spPr>
-        <p:txBody>
-          <a:bodyPr/>
-          <a:lstStyle/>
-          <a:p>
-            <a:r>
-              <a:rPr lang="es-ES" dirty="0" smtClean="0"/>
-              <a:t>Capa Vista con </a:t>
-            </a:r>
-            <a:r>
-              <a:rPr lang="es-ES" dirty="0" err="1" smtClean="0"/>
-              <a:t>Freemarker</a:t>
-            </a:r>
-            <a:endParaRPr lang="es-ES" dirty="0"/>
-          </a:p>
-        </p:txBody>
-      </p:sp>
-      <p:pic>
-        <p:nvPicPr>
-          <p:cNvPr id="7" name="Imagen 6"/>
-          <p:cNvPicPr>
-            <a:picLocks noChangeAspect="1"/>
-          </p:cNvPicPr>
-          <p:nvPr/>
-        </p:nvPicPr>
-        <p:blipFill>
-          <a:blip r:embed="rId2"/>
-          <a:stretch>
-            <a:fillRect/>
-          </a:stretch>
-        </p:blipFill>
-        <p:spPr>
-          <a:xfrm>
-            <a:off x="2676382" y="2488382"/>
-            <a:ext cx="6829425" cy="3867150"/>
-          </a:xfrm>
-          <a:prstGeom prst="rect">
-            <a:avLst/>
-          </a:prstGeom>
-          <a:ln w="25400">
-            <a:solidFill>
-              <a:schemeClr val="bg1"/>
-            </a:solidFill>
-          </a:ln>
-        </p:spPr>
-      </p:pic>
-    </p:spTree>
-    <p:extLst>
-      <p:ext uri="{BB962C8B-B14F-4D97-AF65-F5344CB8AC3E}">
-        <p14:creationId xmlns:p14="http://schemas.microsoft.com/office/powerpoint/2010/main" val="1894512506"/>
-      </p:ext>
-    </p:extLst>
-  </p:cSld>
-  <p:clrMapOvr>
-    <a:masterClrMapping/>
-  </p:clrMapOvr>
-  <p:timing>
-    <p:tnLst>
-      <p:par>
-        <p:cTn id="1" dur="indefinite" restart="never" nodeType="tmRoot"/>
-      </p:par>
-    </p:tnLst>
-  </p:timing>
-</p:sld>
-</file>
-
 <file path=ppt/slides/slide13.xml><?xml version="1.0" encoding="utf-8"?>
 <p:sld xmlns:a="http://schemas.openxmlformats.org/drawingml/2006/main" xmlns:r="http://schemas.openxmlformats.org/officeDocument/2006/relationships" xmlns:p="http://schemas.openxmlformats.org/presentationml/2006/main">
   <p:cSld>
@@ -8802,79 +8904,20 @@
             <a:pPr algn="just"/>
             <a:r>
               <a:rPr lang="es-ES" b="1" dirty="0" smtClean="0"/>
-              <a:t>Paso 2</a:t>
-            </a:r>
-            <a:r>
-              <a:rPr lang="es-ES" dirty="0" smtClean="0"/>
-              <a:t>: </a:t>
-            </a:r>
-            <a:r>
-              <a:rPr lang="es-ES" dirty="0"/>
-              <a:t>Crear </a:t>
-            </a:r>
-            <a:r>
-              <a:rPr lang="es-ES" dirty="0" smtClean="0"/>
-              <a:t>las plantillas. Por defecto deben ir en la carpeta:</a:t>
-            </a:r>
-          </a:p>
-          <a:p>
-            <a:pPr marL="0" indent="0" algn="ctr">
-              <a:spcBef>
-                <a:spcPts val="0"/>
-              </a:spcBef>
-              <a:buNone/>
-            </a:pPr>
-            <a:endParaRPr lang="es-ES" sz="1000" dirty="0" smtClean="0"/>
-          </a:p>
-          <a:p>
-            <a:pPr marL="0" indent="0" algn="ctr">
-              <a:buNone/>
-            </a:pPr>
-            <a:r>
-              <a:rPr lang="es-ES" b="1" dirty="0" err="1" smtClean="0"/>
-              <a:t>src</a:t>
+              <a:t>Paso 1</a:t>
+            </a:r>
+            <a:r>
+              <a:rPr lang="es-ES" dirty="0" smtClean="0"/>
+              <a:t>: Incluir dependencias en el fichero </a:t>
             </a:r>
             <a:r>
               <a:rPr lang="es-ES" b="1" dirty="0" smtClean="0"/>
-              <a:t>/</a:t>
-            </a:r>
-            <a:r>
-              <a:rPr lang="es-ES" b="1" dirty="0" err="1" smtClean="0"/>
-              <a:t>main</a:t>
-            </a:r>
-            <a:r>
-              <a:rPr lang="es-ES" b="1" dirty="0" smtClean="0"/>
-              <a:t>/</a:t>
-            </a:r>
-            <a:r>
-              <a:rPr lang="es-ES" b="1" dirty="0" err="1" smtClean="0"/>
-              <a:t>resources</a:t>
-            </a:r>
-            <a:r>
-              <a:rPr lang="es-ES" b="1" dirty="0" smtClean="0"/>
-              <a:t>/</a:t>
-            </a:r>
-            <a:r>
-              <a:rPr lang="es-ES" b="1" dirty="0" err="1" smtClean="0"/>
-              <a:t>spark</a:t>
-            </a:r>
-            <a:r>
-              <a:rPr lang="es-ES" b="1" dirty="0" smtClean="0"/>
-              <a:t>/</a:t>
-            </a:r>
-            <a:r>
-              <a:rPr lang="es-ES" b="1" dirty="0" err="1" smtClean="0"/>
-              <a:t>template</a:t>
-            </a:r>
-            <a:r>
-              <a:rPr lang="es-ES" b="1" dirty="0" smtClean="0"/>
-              <a:t>/</a:t>
-            </a:r>
-            <a:r>
-              <a:rPr lang="es-ES" b="1" dirty="0" err="1" smtClean="0"/>
-              <a:t>freemarker</a:t>
-            </a:r>
-            <a:endParaRPr lang="es-ES" b="1" dirty="0" smtClean="0"/>
+              <a:t>pom.xml</a:t>
+            </a:r>
+            <a:r>
+              <a:rPr lang="es-ES" dirty="0" smtClean="0"/>
+              <a:t>.</a:t>
+            </a:r>
           </a:p>
         </p:txBody>
       </p:sp>
@@ -8912,7 +8955,7 @@
       </p:sp>
       <p:pic>
         <p:nvPicPr>
-          <p:cNvPr id="4" name="Imagen 3"/>
+          <p:cNvPr id="7" name="Imagen 6"/>
           <p:cNvPicPr>
             <a:picLocks noChangeAspect="1"/>
           </p:cNvPicPr>
@@ -8926,8 +8969,8 @@
         </p:blipFill>
         <p:spPr>
           <a:xfrm>
-            <a:off x="3114532" y="3339113"/>
-            <a:ext cx="5953125" cy="2124075"/>
+            <a:off x="2676382" y="2488382"/>
+            <a:ext cx="6829425" cy="3867150"/>
           </a:xfrm>
           <a:prstGeom prst="rect">
             <a:avLst/>
@@ -8942,7 +8985,7 @@
     </p:spTree>
     <p:extLst>
       <p:ext uri="{BB962C8B-B14F-4D97-AF65-F5344CB8AC3E}">
-        <p14:creationId xmlns:p14="http://schemas.microsoft.com/office/powerpoint/2010/main" val="3430190033"/>
+        <p14:creationId xmlns:p14="http://schemas.microsoft.com/office/powerpoint/2010/main" val="1894512506"/>
       </p:ext>
     </p:extLst>
   </p:cSld>
@@ -9017,75 +9060,80 @@
           <a:p>
             <a:pPr algn="just"/>
             <a:r>
-              <a:rPr lang="es-ES" sz="1800" b="1" dirty="0" smtClean="0"/>
-              <a:t>Paso 3</a:t>
-            </a:r>
-            <a:r>
-              <a:rPr lang="es-ES" sz="1800" dirty="0" smtClean="0"/>
+              <a:rPr lang="es-ES" b="1" dirty="0" smtClean="0"/>
+              <a:t>Paso 2</a:t>
+            </a:r>
+            <a:r>
+              <a:rPr lang="es-ES" dirty="0" smtClean="0"/>
               <a:t>: </a:t>
             </a:r>
             <a:r>
-              <a:rPr lang="es-ES" sz="1800" dirty="0"/>
-              <a:t>Configurar </a:t>
-            </a:r>
-            <a:r>
-              <a:rPr lang="es-ES" sz="1800" dirty="0" smtClean="0"/>
-              <a:t>para cada ruta:</a:t>
-            </a:r>
-          </a:p>
-          <a:p>
-            <a:pPr marL="800100" lvl="1" indent="-342900" algn="just">
-              <a:buFont typeface="+mj-lt"/>
-              <a:buAutoNum type="arabicPeriod"/>
+              <a:rPr lang="es-ES" dirty="0"/>
+              <a:t>Crear </a:t>
+            </a:r>
+            <a:r>
+              <a:rPr lang="es-ES" dirty="0" smtClean="0"/>
+              <a:t>las plantillas. Por defecto deben ir en la carpeta:</a:t>
+            </a:r>
+          </a:p>
+          <a:p>
+            <a:pPr marL="0" indent="0" algn="ctr">
+              <a:spcBef>
+                <a:spcPts val="0"/>
+              </a:spcBef>
+              <a:buNone/>
             </a:pPr>
+            <a:endParaRPr lang="es-ES" sz="1000" dirty="0" smtClean="0"/>
+          </a:p>
+          <a:p>
+            <a:pPr marL="0" indent="0" algn="ctr">
+              <a:buNone/>
+            </a:pPr>
+            <a:r>
+              <a:rPr lang="es-ES" b="1" dirty="0" err="1" smtClean="0"/>
+              <a:t>src</a:t>
+            </a:r>
             <a:r>
               <a:rPr lang="es-ES" b="1" dirty="0" smtClean="0"/>
-              <a:t>Mapa de parámetros</a:t>
-            </a:r>
-            <a:r>
-              <a:rPr lang="es-ES" dirty="0" smtClean="0"/>
-              <a:t>: Mapa con los parámetros de la página.</a:t>
-            </a:r>
-          </a:p>
-          <a:p>
-            <a:pPr marL="800100" lvl="1" indent="-342900" algn="just">
-              <a:buFont typeface="+mj-lt"/>
-              <a:buAutoNum type="arabicPeriod"/>
-            </a:pPr>
+              <a:t>/</a:t>
+            </a:r>
+            <a:r>
+              <a:rPr lang="es-ES" b="1" dirty="0" err="1" smtClean="0"/>
+              <a:t>main</a:t>
+            </a:r>
             <a:r>
               <a:rPr lang="es-ES" b="1" dirty="0" smtClean="0"/>
-              <a:t>Plantilla a usar</a:t>
-            </a:r>
-            <a:r>
-              <a:rPr lang="es-ES" dirty="0" smtClean="0"/>
-              <a:t>: Plantilla con la estructura de la página.</a:t>
-            </a:r>
-          </a:p>
-          <a:p>
-            <a:pPr marL="800100" lvl="1" indent="-342900" algn="just">
-              <a:buFont typeface="+mj-lt"/>
-              <a:buAutoNum type="arabicPeriod"/>
-            </a:pPr>
+              <a:t>/</a:t>
+            </a:r>
             <a:r>
               <a:rPr lang="es-ES" b="1" dirty="0" err="1" smtClean="0"/>
-              <a:t>Renderizado</a:t>
+              <a:t>resources</a:t>
             </a:r>
             <a:r>
               <a:rPr lang="es-ES" b="1" dirty="0" smtClean="0"/>
-              <a:t> de la salida</a:t>
-            </a:r>
-            <a:r>
-              <a:rPr lang="es-ES" dirty="0" smtClean="0"/>
-              <a:t>: Motor de plantillas para el </a:t>
-            </a:r>
-            <a:r>
-              <a:rPr lang="es-ES" dirty="0" err="1" smtClean="0"/>
-              <a:t>renderizado</a:t>
-            </a:r>
-            <a:r>
-              <a:rPr lang="es-ES" dirty="0" smtClean="0"/>
-              <a:t> de la salida.</a:t>
-            </a:r>
+              <a:t>/</a:t>
+            </a:r>
+            <a:r>
+              <a:rPr lang="es-ES" b="1" dirty="0" err="1" smtClean="0"/>
+              <a:t>spark</a:t>
+            </a:r>
+            <a:r>
+              <a:rPr lang="es-ES" b="1" dirty="0" smtClean="0"/>
+              <a:t>/</a:t>
+            </a:r>
+            <a:r>
+              <a:rPr lang="es-ES" b="1" dirty="0" err="1" smtClean="0"/>
+              <a:t>template</a:t>
+            </a:r>
+            <a:r>
+              <a:rPr lang="es-ES" b="1" dirty="0" smtClean="0"/>
+              <a:t>/</a:t>
+            </a:r>
+            <a:r>
+              <a:rPr lang="es-ES" b="1" dirty="0" err="1" smtClean="0"/>
+              <a:t>freemarker</a:t>
+            </a:r>
+            <a:endParaRPr lang="es-ES" b="1" dirty="0" smtClean="0"/>
           </a:p>
         </p:txBody>
       </p:sp>
@@ -9137,8 +9185,8 @@
         </p:blipFill>
         <p:spPr>
           <a:xfrm>
-            <a:off x="2314575" y="3490409"/>
-            <a:ext cx="7562850" cy="3076575"/>
+            <a:off x="3114532" y="3339113"/>
+            <a:ext cx="5953125" cy="2124075"/>
           </a:xfrm>
           <a:prstGeom prst="rect">
             <a:avLst/>
@@ -9153,7 +9201,7 @@
     </p:spTree>
     <p:extLst>
       <p:ext uri="{BB962C8B-B14F-4D97-AF65-F5344CB8AC3E}">
-        <p14:creationId xmlns:p14="http://schemas.microsoft.com/office/powerpoint/2010/main" val="2254087081"/>
+        <p14:creationId xmlns:p14="http://schemas.microsoft.com/office/powerpoint/2010/main" val="3430190033"/>
       </p:ext>
     </p:extLst>
   </p:cSld>
@@ -9228,12 +9276,74 @@
           <a:p>
             <a:pPr algn="just"/>
             <a:r>
+              <a:rPr lang="es-ES" sz="1800" b="1" dirty="0" smtClean="0"/>
+              <a:t>Paso 3</a:t>
+            </a:r>
+            <a:r>
+              <a:rPr lang="es-ES" sz="1800" dirty="0" smtClean="0"/>
+              <a:t>: </a:t>
+            </a:r>
+            <a:r>
+              <a:rPr lang="es-ES" sz="1800" dirty="0"/>
+              <a:t>Configurar </a:t>
+            </a:r>
+            <a:r>
+              <a:rPr lang="es-ES" sz="1800" dirty="0" smtClean="0"/>
+              <a:t>para cada ruta:</a:t>
+            </a:r>
+          </a:p>
+          <a:p>
+            <a:pPr marL="800100" lvl="1" indent="-342900" algn="just">
+              <a:buFont typeface="+mj-lt"/>
+              <a:buAutoNum type="arabicPeriod"/>
+            </a:pPr>
+            <a:r>
               <a:rPr lang="es-ES" b="1" dirty="0" smtClean="0"/>
-              <a:t>Paso 4</a:t>
-            </a:r>
-            <a:r>
-              <a:rPr lang="es-ES" dirty="0" smtClean="0"/>
-              <a:t>: Arrancar la aplicación.</a:t>
+              <a:t>Mapa de parámetros</a:t>
+            </a:r>
+            <a:r>
+              <a:rPr lang="es-ES" dirty="0" smtClean="0"/>
+              <a:t>: Mapa con los parámetros de la página.</a:t>
+            </a:r>
+          </a:p>
+          <a:p>
+            <a:pPr marL="800100" lvl="1" indent="-342900" algn="just">
+              <a:buFont typeface="+mj-lt"/>
+              <a:buAutoNum type="arabicPeriod"/>
+            </a:pPr>
+            <a:r>
+              <a:rPr lang="es-ES" b="1" dirty="0" smtClean="0"/>
+              <a:t>Plantilla a usar</a:t>
+            </a:r>
+            <a:r>
+              <a:rPr lang="es-ES" dirty="0" smtClean="0"/>
+              <a:t>: Plantilla con la estructura de la página.</a:t>
+            </a:r>
+          </a:p>
+          <a:p>
+            <a:pPr marL="800100" lvl="1" indent="-342900" algn="just">
+              <a:buFont typeface="+mj-lt"/>
+              <a:buAutoNum type="arabicPeriod"/>
+            </a:pPr>
+            <a:r>
+              <a:rPr lang="es-ES" b="1" dirty="0" err="1" smtClean="0"/>
+              <a:t>Renderizado</a:t>
+            </a:r>
+            <a:r>
+              <a:rPr lang="es-ES" b="1" dirty="0" smtClean="0"/>
+              <a:t> de la salida</a:t>
+            </a:r>
+            <a:r>
+              <a:rPr lang="es-ES" dirty="0" smtClean="0"/>
+              <a:t>: Motor de plantillas para el </a:t>
+            </a:r>
+            <a:r>
+              <a:rPr lang="es-ES" dirty="0" err="1" smtClean="0"/>
+              <a:t>renderizado</a:t>
+            </a:r>
+            <a:r>
+              <a:rPr lang="es-ES" dirty="0" smtClean="0"/>
+              <a:t> de la salida.</a:t>
             </a:r>
           </a:p>
         </p:txBody>
@@ -9272,7 +9382,7 @@
       </p:sp>
       <p:pic>
         <p:nvPicPr>
-          <p:cNvPr id="5" name="Imagen 4"/>
+          <p:cNvPr id="4" name="Imagen 3"/>
           <p:cNvPicPr>
             <a:picLocks noChangeAspect="1"/>
           </p:cNvPicPr>
@@ -9286,8 +9396,8 @@
         </p:blipFill>
         <p:spPr>
           <a:xfrm>
-            <a:off x="2224087" y="2730793"/>
-            <a:ext cx="7743825" cy="3152775"/>
+            <a:off x="2314575" y="3490409"/>
+            <a:ext cx="7562850" cy="3076575"/>
           </a:xfrm>
           <a:prstGeom prst="rect">
             <a:avLst/>
@@ -9302,7 +9412,7 @@
     </p:spTree>
     <p:extLst>
       <p:ext uri="{BB962C8B-B14F-4D97-AF65-F5344CB8AC3E}">
-        <p14:creationId xmlns:p14="http://schemas.microsoft.com/office/powerpoint/2010/main" val="214360572"/>
+        <p14:creationId xmlns:p14="http://schemas.microsoft.com/office/powerpoint/2010/main" val="2254087081"/>
       </p:ext>
     </p:extLst>
   </p:cSld>
@@ -9362,204 +9472,96 @@
               <a:buNone/>
             </a:pPr>
             <a:r>
+              <a:rPr lang="es-ES" b="1" dirty="0" smtClean="0"/>
+              <a:t>Hola mundo con </a:t>
+            </a:r>
+            <a:r>
               <a:rPr lang="es-ES" b="1" dirty="0" err="1" smtClean="0"/>
-              <a:t>Layouts</a:t>
-            </a:r>
-            <a:r>
-              <a:rPr lang="es-ES" dirty="0" smtClean="0"/>
-              <a:t>: Los </a:t>
-            </a:r>
-            <a:r>
-              <a:rPr lang="es-ES" dirty="0" err="1" smtClean="0"/>
-              <a:t>layouts</a:t>
-            </a:r>
-            <a:r>
-              <a:rPr lang="es-ES" dirty="0" smtClean="0"/>
-              <a:t> se usan para definir el estilo general de la aplicación. Con </a:t>
+              <a:t>Freemarker</a:t>
+            </a:r>
+            <a:r>
+              <a:rPr lang="es-ES" dirty="0" smtClean="0"/>
+              <a:t>. </a:t>
+            </a:r>
+          </a:p>
+          <a:p>
+            <a:pPr algn="just"/>
+            <a:r>
+              <a:rPr lang="es-ES" b="1" dirty="0" smtClean="0"/>
+              <a:t>Paso 4</a:t>
+            </a:r>
+            <a:r>
+              <a:rPr lang="es-ES" dirty="0" smtClean="0"/>
+              <a:t>: Arrancar la aplicación.</a:t>
+            </a:r>
+          </a:p>
+        </p:txBody>
+      </p:sp>
+      <p:sp>
+        <p:nvSpPr>
+          <p:cNvPr id="2" name="Título 1"/>
+          <p:cNvSpPr>
+            <a:spLocks noGrp="1"/>
+          </p:cNvSpPr>
+          <p:nvPr>
+            <p:ph type="title" idx="4294967295"/>
+          </p:nvPr>
+        </p:nvSpPr>
+        <p:spPr>
+          <a:xfrm>
+            <a:off x="534150" y="365126"/>
+            <a:ext cx="9981450" cy="759516"/>
+          </a:xfrm>
+        </p:spPr>
+        <p:txBody>
+          <a:bodyPr/>
+          <a:lstStyle/>
+          <a:p>
+            <a:r>
+              <a:rPr lang="es-ES" dirty="0" smtClean="0"/>
+              <a:t>Capa Vista con </a:t>
             </a:r>
             <a:r>
               <a:rPr lang="es-ES" dirty="0" err="1" smtClean="0"/>
               <a:t>Freemarker</a:t>
             </a:r>
-            <a:r>
-              <a:rPr lang="es-ES" dirty="0" smtClean="0"/>
-              <a:t> se puede generar y usar </a:t>
-            </a:r>
-            <a:r>
-              <a:rPr lang="es-ES" dirty="0" err="1" smtClean="0"/>
-              <a:t>layouts</a:t>
-            </a:r>
-            <a:r>
-              <a:rPr lang="es-ES" dirty="0" smtClean="0"/>
-              <a:t> de manera muy sencilla. </a:t>
-            </a:r>
-          </a:p>
-          <a:p>
-            <a:pPr algn="just"/>
-            <a:r>
-              <a:rPr lang="es-ES" b="1" dirty="0" smtClean="0"/>
-              <a:t>#macro</a:t>
-            </a:r>
-            <a:r>
-              <a:rPr lang="es-ES" dirty="0" smtClean="0"/>
-              <a:t>: Con #macro definimos el nombre de la macro y el contenido del </a:t>
-            </a:r>
-            <a:r>
-              <a:rPr lang="es-ES" dirty="0" err="1" smtClean="0"/>
-              <a:t>layout</a:t>
-            </a:r>
-            <a:r>
-              <a:rPr lang="es-ES" dirty="0" smtClean="0"/>
-              <a:t>.</a:t>
-            </a:r>
-          </a:p>
-          <a:p>
-            <a:pPr marL="0" indent="0" algn="just">
-              <a:buNone/>
-            </a:pPr>
-            <a:r>
-              <a:rPr lang="es-ES" dirty="0"/>
-              <a:t>&lt;#macro </a:t>
-            </a:r>
-            <a:r>
-              <a:rPr lang="es-ES" dirty="0" err="1"/>
-              <a:t>myLayout</a:t>
-            </a:r>
-            <a:r>
-              <a:rPr lang="es-ES" dirty="0" smtClean="0"/>
-              <a:t>&gt;</a:t>
-            </a:r>
-          </a:p>
-          <a:p>
-            <a:pPr marL="0" indent="0" algn="just">
-              <a:buNone/>
-            </a:pPr>
             <a:endParaRPr lang="es-ES" dirty="0"/>
           </a:p>
-          <a:p>
-            <a:pPr algn="just"/>
-            <a:r>
-              <a:rPr lang="es-ES" b="1" dirty="0" smtClean="0"/>
-              <a:t>#</a:t>
-            </a:r>
-            <a:r>
-              <a:rPr lang="es-ES" b="1" dirty="0" err="1" smtClean="0"/>
-              <a:t>include</a:t>
-            </a:r>
-            <a:r>
-              <a:rPr lang="es-ES" dirty="0" smtClean="0"/>
-              <a:t>: Permite incluir otras plantillas, de manera que se puedan separar cada una de las secciones.</a:t>
-            </a:r>
-          </a:p>
-          <a:p>
-            <a:pPr marL="0" indent="0" algn="just">
-              <a:buNone/>
-            </a:pPr>
-            <a:r>
-              <a:rPr lang="es-ES" dirty="0"/>
-              <a:t>&lt;#</a:t>
-            </a:r>
-            <a:r>
-              <a:rPr lang="es-ES" dirty="0" err="1"/>
-              <a:t>include</a:t>
-            </a:r>
-            <a:r>
-              <a:rPr lang="es-ES" dirty="0"/>
-              <a:t> "</a:t>
-            </a:r>
-            <a:r>
-              <a:rPr lang="es-ES" dirty="0" err="1"/>
-              <a:t>header.ftl</a:t>
-            </a:r>
-            <a:r>
-              <a:rPr lang="es-ES" dirty="0" smtClean="0"/>
-              <a:t>"/&gt;</a:t>
-            </a:r>
-          </a:p>
-          <a:p>
-            <a:pPr marL="0" indent="0" algn="just">
-              <a:buNone/>
-            </a:pPr>
-            <a:endParaRPr lang="es-ES" dirty="0"/>
-          </a:p>
-          <a:p>
-            <a:pPr algn="just"/>
-            <a:r>
-              <a:rPr lang="es-ES" b="1" dirty="0" smtClean="0"/>
-              <a:t>#</a:t>
-            </a:r>
-            <a:r>
-              <a:rPr lang="es-ES" b="1" dirty="0" err="1" smtClean="0"/>
-              <a:t>nested</a:t>
-            </a:r>
-            <a:r>
-              <a:rPr lang="es-ES" dirty="0" smtClean="0"/>
-              <a:t>: Con #</a:t>
-            </a:r>
-            <a:r>
-              <a:rPr lang="es-ES" dirty="0" err="1" smtClean="0"/>
-              <a:t>nested</a:t>
-            </a:r>
-            <a:r>
-              <a:rPr lang="es-ES" dirty="0" smtClean="0"/>
-              <a:t> se indica en qué lugar de la plantilla se incluirá el contenido de la página.</a:t>
-            </a:r>
-          </a:p>
-          <a:p>
-            <a:pPr marL="0" indent="0" algn="just">
-              <a:buNone/>
-            </a:pPr>
-            <a:r>
-              <a:rPr lang="es-ES" dirty="0"/>
-              <a:t>&lt;#</a:t>
-            </a:r>
-            <a:r>
-              <a:rPr lang="es-ES" dirty="0" err="1"/>
-              <a:t>nested</a:t>
-            </a:r>
-            <a:r>
-              <a:rPr lang="es-ES" dirty="0"/>
-              <a:t>/&gt;</a:t>
-            </a:r>
-          </a:p>
-        </p:txBody>
-      </p:sp>
-      <p:sp>
-        <p:nvSpPr>
-          <p:cNvPr id="2" name="Título 1"/>
-          <p:cNvSpPr>
-            <a:spLocks noGrp="1"/>
-          </p:cNvSpPr>
-          <p:nvPr>
-            <p:ph type="title" idx="4294967295"/>
-          </p:nvPr>
-        </p:nvSpPr>
-        <p:spPr>
-          <a:xfrm>
-            <a:off x="534150" y="365126"/>
-            <a:ext cx="9981450" cy="759516"/>
-          </a:xfrm>
-        </p:spPr>
-        <p:txBody>
-          <a:bodyPr/>
-          <a:lstStyle/>
-          <a:p>
-            <a:r>
-              <a:rPr lang="es-ES" dirty="0" smtClean="0"/>
-              <a:t>Capa Vista con </a:t>
-            </a:r>
-            <a:r>
-              <a:rPr lang="es-ES" dirty="0" err="1" smtClean="0"/>
-              <a:t>Freemarker</a:t>
-            </a:r>
-            <a:endParaRPr lang="es-ES" dirty="0"/>
-          </a:p>
-        </p:txBody>
-      </p:sp>
+        </p:txBody>
+      </p:sp>
+      <p:pic>
+        <p:nvPicPr>
+          <p:cNvPr id="5" name="Imagen 4"/>
+          <p:cNvPicPr>
+            <a:picLocks noChangeAspect="1"/>
+          </p:cNvPicPr>
+          <p:nvPr/>
+        </p:nvPicPr>
+        <p:blipFill>
+          <a:blip r:embed="rId2"/>
+          <a:stretch>
+            <a:fillRect/>
+          </a:stretch>
+        </p:blipFill>
+        <p:spPr>
+          <a:xfrm>
+            <a:off x="2224087" y="2730793"/>
+            <a:ext cx="7743825" cy="3152775"/>
+          </a:xfrm>
+          <a:prstGeom prst="rect">
+            <a:avLst/>
+          </a:prstGeom>
+          <a:ln w="25400">
+            <a:solidFill>
+              <a:schemeClr val="bg1"/>
+            </a:solidFill>
+          </a:ln>
+        </p:spPr>
+      </p:pic>
     </p:spTree>
     <p:extLst>
       <p:ext uri="{BB962C8B-B14F-4D97-AF65-F5344CB8AC3E}">
-        <p14:creationId xmlns:p14="http://schemas.microsoft.com/office/powerpoint/2010/main" val="2196451228"/>
+        <p14:creationId xmlns:p14="http://schemas.microsoft.com/office/powerpoint/2010/main" val="214360572"/>
       </p:ext>
     </p:extLst>
   </p:cSld>
@@ -9619,18 +9621,165 @@
               <a:buNone/>
             </a:pPr>
             <a:r>
+              <a:rPr lang="es-ES" b="1" dirty="0" err="1" smtClean="0"/>
+              <a:t>Layouts</a:t>
+            </a:r>
+            <a:r>
+              <a:rPr lang="es-ES" dirty="0" smtClean="0"/>
+              <a:t>: Los </a:t>
+            </a:r>
+            <a:r>
+              <a:rPr lang="es-ES" dirty="0" err="1" smtClean="0"/>
+              <a:t>layouts</a:t>
+            </a:r>
+            <a:r>
+              <a:rPr lang="es-ES" dirty="0" smtClean="0"/>
+              <a:t> se usan para definir el estilo general de la aplicación. Con </a:t>
+            </a:r>
+            <a:r>
+              <a:rPr lang="es-ES" dirty="0" err="1" smtClean="0"/>
+              <a:t>Freemarker</a:t>
+            </a:r>
+            <a:r>
+              <a:rPr lang="es-ES" dirty="0" smtClean="0"/>
+              <a:t> se puede generar y usar </a:t>
+            </a:r>
+            <a:r>
+              <a:rPr lang="es-ES" dirty="0" err="1" smtClean="0"/>
+              <a:t>layouts</a:t>
+            </a:r>
+            <a:r>
+              <a:rPr lang="es-ES" dirty="0" smtClean="0"/>
+              <a:t> de manera muy sencilla. </a:t>
+            </a:r>
+          </a:p>
+          <a:p>
+            <a:pPr algn="just"/>
+            <a:r>
               <a:rPr lang="es-ES" b="1" dirty="0" smtClean="0"/>
-              <a:t>Ejemplo de </a:t>
+              <a:t>#macro</a:t>
+            </a:r>
+            <a:r>
+              <a:rPr lang="es-ES" dirty="0" smtClean="0"/>
+              <a:t>: Con #macro definimos el nombre de la macro y el contenido del </a:t>
+            </a:r>
+            <a:r>
+              <a:rPr lang="es-ES" dirty="0" err="1" smtClean="0"/>
+              <a:t>layout</a:t>
+            </a:r>
+            <a:r>
+              <a:rPr lang="es-ES" dirty="0" smtClean="0"/>
+              <a:t>.</a:t>
+            </a:r>
+          </a:p>
+          <a:p>
+            <a:pPr marL="0" indent="0" algn="just">
+              <a:buNone/>
+            </a:pPr>
+            <a:r>
+              <a:rPr lang="es-ES" dirty="0"/>
+              <a:t>&lt;#macro </a:t>
+            </a:r>
+            <a:r>
+              <a:rPr lang="es-ES" dirty="0" err="1"/>
+              <a:t>myLayout</a:t>
+            </a:r>
+            <a:r>
+              <a:rPr lang="es-ES" dirty="0" smtClean="0"/>
+              <a:t>&gt;</a:t>
+            </a:r>
+          </a:p>
+          <a:p>
+            <a:pPr marL="0" indent="0" algn="just">
+              <a:buNone/>
+            </a:pPr>
+            <a:endParaRPr lang="es-ES" dirty="0"/>
+          </a:p>
+          <a:p>
+            <a:pPr algn="just"/>
+            <a:r>
+              <a:rPr lang="es-ES" b="1" dirty="0" smtClean="0"/>
+              <a:t>#</a:t>
             </a:r>
             <a:r>
               <a:rPr lang="es-ES" b="1" dirty="0" err="1" smtClean="0"/>
-              <a:t>layout</a:t>
-            </a:r>
+              <a:t>include</a:t>
+            </a:r>
+            <a:r>
+              <a:rPr lang="es-ES" dirty="0" smtClean="0"/>
+              <a:t>: Permite incluir otras plantillas, de manera que se puedan separar cada una de las secciones.</a:t>
+            </a:r>
+          </a:p>
+          <a:p>
+            <a:pPr marL="0" indent="0" algn="just">
+              <a:buNone/>
+            </a:pPr>
+            <a:r>
+              <a:rPr lang="es-ES" dirty="0"/>
+              <a:t>&lt;#</a:t>
+            </a:r>
+            <a:r>
+              <a:rPr lang="es-ES" dirty="0" err="1"/>
+              <a:t>include</a:t>
+            </a:r>
+            <a:r>
+              <a:rPr lang="es-ES" dirty="0"/>
+              <a:t> "</a:t>
+            </a:r>
+            <a:r>
+              <a:rPr lang="es-ES" dirty="0" err="1"/>
+              <a:t>header.ftl</a:t>
+            </a:r>
+            <a:r>
+              <a:rPr lang="es-ES" dirty="0" smtClean="0"/>
+              <a:t>"/&gt;</a:t>
+            </a:r>
+          </a:p>
+          <a:p>
+            <a:pPr marL="0" indent="0" algn="just">
+              <a:buNone/>
+            </a:pPr>
+            <a:endParaRPr lang="es-ES" dirty="0"/>
+          </a:p>
+          <a:p>
+            <a:pPr algn="just"/>
             <a:r>
               <a:rPr lang="es-ES" b="1" dirty="0" smtClean="0"/>
-              <a:t>.</a:t>
-            </a:r>
-            <a:endParaRPr lang="es-ES" dirty="0"/>
+              <a:t>#</a:t>
+            </a:r>
+            <a:r>
+              <a:rPr lang="es-ES" b="1" dirty="0" err="1" smtClean="0"/>
+              <a:t>nested</a:t>
+            </a:r>
+            <a:r>
+              <a:rPr lang="es-ES" dirty="0" smtClean="0"/>
+              <a:t>: Con #</a:t>
+            </a:r>
+            <a:r>
+              <a:rPr lang="es-ES" dirty="0" err="1" smtClean="0"/>
+              <a:t>nested</a:t>
+            </a:r>
+            <a:r>
+              <a:rPr lang="es-ES" dirty="0" smtClean="0"/>
+              <a:t> se indica en qué lugar de la plantilla se incluirá el contenido de la página.</a:t>
+            </a:r>
+          </a:p>
+          <a:p>
+            <a:pPr marL="0" indent="0" algn="just">
+              <a:buNone/>
+            </a:pPr>
+            <a:r>
+              <a:rPr lang="es-ES" dirty="0"/>
+              <a:t>&lt;#</a:t>
+            </a:r>
+            <a:r>
+              <a:rPr lang="es-ES" dirty="0" err="1"/>
+              <a:t>nested</a:t>
+            </a:r>
+            <a:r>
+              <a:rPr lang="es-ES" dirty="0"/>
+              <a:t>/&gt;</a:t>
+            </a:r>
           </a:p>
         </p:txBody>
       </p:sp>
@@ -9666,39 +9815,10 @@
           </a:p>
         </p:txBody>
       </p:sp>
-      <p:pic>
-        <p:nvPicPr>
-          <p:cNvPr id="4" name="Imagen 3"/>
-          <p:cNvPicPr>
-            <a:picLocks noChangeAspect="1"/>
-          </p:cNvPicPr>
-          <p:nvPr/>
-        </p:nvPicPr>
-        <p:blipFill>
-          <a:blip r:embed="rId2"/>
-          <a:stretch>
-            <a:fillRect/>
-          </a:stretch>
-        </p:blipFill>
-        <p:spPr>
-          <a:xfrm>
-            <a:off x="3612333" y="1400233"/>
-            <a:ext cx="7542809" cy="5242041"/>
-          </a:xfrm>
-          <a:prstGeom prst="rect">
-            <a:avLst/>
-          </a:prstGeom>
-          <a:ln w="25400">
-            <a:solidFill>
-              <a:schemeClr val="bg1"/>
-            </a:solidFill>
-          </a:ln>
-        </p:spPr>
-      </p:pic>
     </p:spTree>
     <p:extLst>
       <p:ext uri="{BB962C8B-B14F-4D97-AF65-F5344CB8AC3E}">
-        <p14:creationId xmlns:p14="http://schemas.microsoft.com/office/powerpoint/2010/main" val="3760927407"/>
+        <p14:creationId xmlns:p14="http://schemas.microsoft.com/office/powerpoint/2010/main" val="2196451228"/>
       </p:ext>
     </p:extLst>
   </p:cSld>
@@ -9759,179 +9879,17 @@
             </a:pPr>
             <a:r>
               <a:rPr lang="es-ES" b="1" dirty="0" smtClean="0"/>
-              <a:t>Usar un </a:t>
+              <a:t>Ejemplo de </a:t>
             </a:r>
             <a:r>
               <a:rPr lang="es-ES" b="1" dirty="0" err="1" smtClean="0"/>
               <a:t>layout</a:t>
             </a:r>
             <a:r>
-              <a:rPr lang="es-ES" dirty="0" smtClean="0"/>
-              <a:t>: Una vez definido el </a:t>
-            </a:r>
-            <a:r>
-              <a:rPr lang="es-ES" dirty="0" err="1" smtClean="0"/>
-              <a:t>layout</a:t>
-            </a:r>
-            <a:r>
-              <a:rPr lang="es-ES" dirty="0" smtClean="0"/>
-              <a:t> hay que especificar en cada plantilla qué </a:t>
-            </a:r>
-            <a:r>
-              <a:rPr lang="es-ES" dirty="0" err="1" smtClean="0"/>
-              <a:t>layout</a:t>
-            </a:r>
-            <a:r>
-              <a:rPr lang="es-ES" dirty="0" smtClean="0"/>
-              <a:t> se va a utilizar: </a:t>
-            </a:r>
-          </a:p>
-          <a:p>
-            <a:pPr algn="just"/>
-            <a:r>
               <a:rPr lang="es-ES" b="1" dirty="0" smtClean="0"/>
-              <a:t>#</a:t>
-            </a:r>
-            <a:r>
-              <a:rPr lang="es-ES" b="1" dirty="0" err="1" smtClean="0"/>
-              <a:t>import</a:t>
-            </a:r>
-            <a:r>
-              <a:rPr lang="es-ES" dirty="0" smtClean="0"/>
-              <a:t>: Con #</a:t>
-            </a:r>
-            <a:r>
-              <a:rPr lang="es-ES" dirty="0" err="1" smtClean="0"/>
-              <a:t>import</a:t>
-            </a:r>
-            <a:r>
-              <a:rPr lang="es-ES" dirty="0" smtClean="0"/>
-              <a:t> se indica qué plantilla de </a:t>
-            </a:r>
-            <a:r>
-              <a:rPr lang="es-ES" dirty="0" err="1" smtClean="0"/>
-              <a:t>layout</a:t>
-            </a:r>
-            <a:r>
-              <a:rPr lang="es-ES" dirty="0" smtClean="0"/>
-              <a:t> se va a utilizar para decorar la plantilla y el nombre que se usará para referirnos a ella dentro de la plantilla.</a:t>
-            </a:r>
-          </a:p>
-          <a:p>
-            <a:pPr marL="0" indent="0" algn="just">
-              <a:buNone/>
-            </a:pPr>
-            <a:r>
-              <a:rPr lang="es-ES" dirty="0"/>
-              <a:t>&lt;#</a:t>
-            </a:r>
-            <a:r>
-              <a:rPr lang="es-ES" dirty="0" err="1"/>
-              <a:t>import</a:t>
-            </a:r>
-            <a:r>
-              <a:rPr lang="es-ES" dirty="0"/>
-              <a:t> "</a:t>
-            </a:r>
-            <a:r>
-              <a:rPr lang="es-ES" dirty="0" err="1"/>
-              <a:t>layout</a:t>
-            </a:r>
-            <a:r>
-              <a:rPr lang="es-ES" dirty="0"/>
-              <a:t>/</a:t>
-            </a:r>
-            <a:r>
-              <a:rPr lang="es-ES" dirty="0" err="1"/>
-              <a:t>layout.ftl</a:t>
-            </a:r>
-            <a:r>
-              <a:rPr lang="es-ES" dirty="0"/>
-              <a:t>" as </a:t>
-            </a:r>
-            <a:r>
-              <a:rPr lang="es-ES" dirty="0" err="1"/>
-              <a:t>layout</a:t>
-            </a:r>
-            <a:r>
-              <a:rPr lang="es-ES" dirty="0"/>
-              <a:t>&gt;</a:t>
-            </a:r>
-            <a:endParaRPr lang="es-ES" dirty="0" smtClean="0"/>
-          </a:p>
-          <a:p>
-            <a:pPr marL="0" indent="0" algn="just">
-              <a:buNone/>
-            </a:pPr>
+              <a:t>.</a:t>
+            </a:r>
             <a:endParaRPr lang="es-ES" dirty="0"/>
-          </a:p>
-          <a:p>
-            <a:pPr algn="just"/>
-            <a:r>
-              <a:rPr lang="es-ES" b="1" dirty="0" smtClean="0"/>
-              <a:t>@</a:t>
-            </a:r>
-            <a:r>
-              <a:rPr lang="es-ES" b="1" dirty="0" err="1" smtClean="0"/>
-              <a:t>layout</a:t>
-            </a:r>
-            <a:r>
-              <a:rPr lang="es-ES" b="1" dirty="0" smtClean="0"/>
-              <a:t>.&lt;</a:t>
-            </a:r>
-            <a:r>
-              <a:rPr lang="es-ES" b="1" dirty="0" err="1" smtClean="0"/>
-              <a:t>nombreLayout</a:t>
-            </a:r>
-            <a:r>
-              <a:rPr lang="es-ES" b="1" dirty="0" smtClean="0"/>
-              <a:t>&gt;</a:t>
-            </a:r>
-            <a:r>
-              <a:rPr lang="es-ES" dirty="0" smtClean="0"/>
-              <a:t>: Con </a:t>
-            </a:r>
-            <a:r>
-              <a:rPr lang="es-ES" dirty="0" err="1" smtClean="0"/>
-              <a:t>nombreLayout</a:t>
-            </a:r>
-            <a:r>
-              <a:rPr lang="es-ES" dirty="0" smtClean="0"/>
-              <a:t> se define el nombre del bloque de </a:t>
-            </a:r>
-            <a:r>
-              <a:rPr lang="es-ES" dirty="0" err="1" smtClean="0"/>
-              <a:t>layout</a:t>
-            </a:r>
-            <a:r>
-              <a:rPr lang="es-ES" dirty="0" smtClean="0"/>
-              <a:t> que se va a usar, y dentro de este bloque se indica el contenido de la página que se va a incluir dentro del #</a:t>
-            </a:r>
-            <a:r>
-              <a:rPr lang="es-ES" dirty="0" err="1" smtClean="0"/>
-              <a:t>nested</a:t>
-            </a:r>
-            <a:r>
-              <a:rPr lang="es-ES" dirty="0" smtClean="0"/>
-              <a:t>.</a:t>
-            </a:r>
-          </a:p>
-          <a:p>
-            <a:pPr marL="0" indent="0" algn="just">
-              <a:buNone/>
-            </a:pPr>
-            <a:r>
-              <a:rPr lang="es-ES" dirty="0"/>
-              <a:t>&lt;@</a:t>
-            </a:r>
-            <a:r>
-              <a:rPr lang="es-ES" dirty="0" err="1"/>
-              <a:t>layout.myLayout</a:t>
-            </a:r>
-            <a:r>
-              <a:rPr lang="es-ES" dirty="0" smtClean="0"/>
-              <a:t>&gt;</a:t>
-            </a:r>
           </a:p>
         </p:txBody>
       </p:sp>
@@ -9967,10 +9925,39 @@
           </a:p>
         </p:txBody>
       </p:sp>
+      <p:pic>
+        <p:nvPicPr>
+          <p:cNvPr id="4" name="Imagen 3"/>
+          <p:cNvPicPr>
+            <a:picLocks noChangeAspect="1"/>
+          </p:cNvPicPr>
+          <p:nvPr/>
+        </p:nvPicPr>
+        <p:blipFill>
+          <a:blip r:embed="rId2"/>
+          <a:stretch>
+            <a:fillRect/>
+          </a:stretch>
+        </p:blipFill>
+        <p:spPr>
+          <a:xfrm>
+            <a:off x="3612333" y="1400233"/>
+            <a:ext cx="7542809" cy="5242041"/>
+          </a:xfrm>
+          <a:prstGeom prst="rect">
+            <a:avLst/>
+          </a:prstGeom>
+          <a:ln w="25400">
+            <a:solidFill>
+              <a:schemeClr val="bg1"/>
+            </a:solidFill>
+          </a:ln>
+        </p:spPr>
+      </p:pic>
     </p:spTree>
     <p:extLst>
       <p:ext uri="{BB962C8B-B14F-4D97-AF65-F5344CB8AC3E}">
-        <p14:creationId xmlns:p14="http://schemas.microsoft.com/office/powerpoint/2010/main" val="1004673797"/>
+        <p14:creationId xmlns:p14="http://schemas.microsoft.com/office/powerpoint/2010/main" val="3760927407"/>
       </p:ext>
     </p:extLst>
   </p:cSld>
@@ -10031,17 +10018,179 @@
             </a:pPr>
             <a:r>
               <a:rPr lang="es-ES" b="1" dirty="0" smtClean="0"/>
-              <a:t>Ejemplo de uso de </a:t>
+              <a:t>Usar un </a:t>
             </a:r>
             <a:r>
               <a:rPr lang="es-ES" b="1" dirty="0" err="1" smtClean="0"/>
               <a:t>layout</a:t>
             </a:r>
             <a:r>
+              <a:rPr lang="es-ES" dirty="0" smtClean="0"/>
+              <a:t>: Una vez definido el </a:t>
+            </a:r>
+            <a:r>
+              <a:rPr lang="es-ES" dirty="0" err="1" smtClean="0"/>
+              <a:t>layout</a:t>
+            </a:r>
+            <a:r>
+              <a:rPr lang="es-ES" dirty="0" smtClean="0"/>
+              <a:t> hay que especificar en cada plantilla qué </a:t>
+            </a:r>
+            <a:r>
+              <a:rPr lang="es-ES" dirty="0" err="1" smtClean="0"/>
+              <a:t>layout</a:t>
+            </a:r>
+            <a:r>
+              <a:rPr lang="es-ES" dirty="0" smtClean="0"/>
+              <a:t> se va a utilizar: </a:t>
+            </a:r>
+          </a:p>
+          <a:p>
+            <a:pPr algn="just"/>
+            <a:r>
               <a:rPr lang="es-ES" b="1" dirty="0" smtClean="0"/>
+              <a:t>#</a:t>
+            </a:r>
+            <a:r>
+              <a:rPr lang="es-ES" b="1" dirty="0" err="1" smtClean="0"/>
+              <a:t>import</a:t>
+            </a:r>
+            <a:r>
+              <a:rPr lang="es-ES" dirty="0" smtClean="0"/>
+              <a:t>: Con #</a:t>
+            </a:r>
+            <a:r>
+              <a:rPr lang="es-ES" dirty="0" err="1" smtClean="0"/>
+              <a:t>import</a:t>
+            </a:r>
+            <a:r>
+              <a:rPr lang="es-ES" dirty="0" smtClean="0"/>
+              <a:t> se indica qué plantilla de </a:t>
+            </a:r>
+            <a:r>
+              <a:rPr lang="es-ES" dirty="0" err="1" smtClean="0"/>
+              <a:t>layout</a:t>
+            </a:r>
+            <a:r>
+              <a:rPr lang="es-ES" dirty="0" smtClean="0"/>
+              <a:t> se va a utilizar para decorar la plantilla y el nombre que se usará para referirnos a ella dentro de la plantilla.</a:t>
+            </a:r>
+          </a:p>
+          <a:p>
+            <a:pPr marL="0" indent="0" algn="just">
+              <a:buNone/>
+            </a:pPr>
+            <a:r>
+              <a:rPr lang="es-ES" dirty="0"/>
+              <a:t>&lt;#</a:t>
+            </a:r>
+            <a:r>
+              <a:rPr lang="es-ES" dirty="0" err="1"/>
+              <a:t>import</a:t>
+            </a:r>
+            <a:r>
+              <a:rPr lang="es-ES" dirty="0"/>
+              <a:t> "</a:t>
+            </a:r>
+            <a:r>
+              <a:rPr lang="es-ES" dirty="0" err="1"/>
+              <a:t>layout</a:t>
+            </a:r>
+            <a:r>
+              <a:rPr lang="es-ES" dirty="0"/>
+              <a:t>/</a:t>
+            </a:r>
+            <a:r>
+              <a:rPr lang="es-ES" dirty="0" err="1"/>
+              <a:t>layout.ftl</a:t>
+            </a:r>
+            <a:r>
+              <a:rPr lang="es-ES" dirty="0"/>
+              <a:t>" as </a:t>
+            </a:r>
+            <a:r>
+              <a:rPr lang="es-ES" dirty="0" err="1"/>
+              <a:t>layout</a:t>
+            </a:r>
+            <a:r>
+              <a:rPr lang="es-ES" dirty="0"/>
+              <a:t>&gt;</a:t>
+            </a:r>
+            <a:endParaRPr lang="es-ES" dirty="0" smtClean="0"/>
+          </a:p>
+          <a:p>
+            <a:pPr marL="0" indent="0" algn="just">
+              <a:buNone/>
+            </a:pPr>
+            <a:endParaRPr lang="es-ES" dirty="0"/>
+          </a:p>
+          <a:p>
+            <a:pPr algn="just"/>
+            <a:r>
+              <a:rPr lang="es-ES" b="1" dirty="0" smtClean="0"/>
+              <a:t>@</a:t>
+            </a:r>
+            <a:r>
+              <a:rPr lang="es-ES" b="1" dirty="0" err="1" smtClean="0"/>
+              <a:t>layout</a:t>
+            </a:r>
+            <a:r>
+              <a:rPr lang="es-ES" b="1" dirty="0" smtClean="0"/>
+              <a:t>.&lt;</a:t>
+            </a:r>
+            <a:r>
+              <a:rPr lang="es-ES" b="1" dirty="0" err="1" smtClean="0"/>
+              <a:t>nombreLayout</a:t>
+            </a:r>
+            <a:r>
+              <a:rPr lang="es-ES" b="1" dirty="0" smtClean="0"/>
+              <a:t>&gt;</a:t>
+            </a:r>
+            <a:r>
+              <a:rPr lang="es-ES" dirty="0" smtClean="0"/>
+              <a:t>: Con </a:t>
+            </a:r>
+            <a:r>
+              <a:rPr lang="es-ES" dirty="0" err="1" smtClean="0"/>
+              <a:t>nombreLayout</a:t>
+            </a:r>
+            <a:r>
+              <a:rPr lang="es-ES" dirty="0" smtClean="0"/>
+              <a:t> se define el nombre del bloque de </a:t>
+            </a:r>
+            <a:r>
+              <a:rPr lang="es-ES" dirty="0" err="1" smtClean="0"/>
+              <a:t>layout</a:t>
+            </a:r>
+            <a:r>
+              <a:rPr lang="es-ES" dirty="0" smtClean="0"/>
+              <a:t> que se va a usar, y dentro de este bloque se indica el contenido de la página que se va a incluir dentro del #</a:t>
+            </a:r>
+            <a:r>
+              <a:rPr lang="es-ES" dirty="0" err="1" smtClean="0"/>
+              <a:t>nested</a:t>
+            </a:r>
+            <a:r>
+              <a:rPr lang="es-ES" dirty="0" smtClean="0"/>
               <a:t>.</a:t>
             </a:r>
-            <a:endParaRPr lang="es-ES" dirty="0"/>
+          </a:p>
+          <a:p>
+            <a:pPr marL="0" indent="0" algn="just">
+              <a:buNone/>
+            </a:pPr>
+            <a:r>
+              <a:rPr lang="es-ES" dirty="0"/>
+              <a:t>&lt;@</a:t>
+            </a:r>
+            <a:r>
+              <a:rPr lang="es-ES" dirty="0" err="1"/>
+              <a:t>layout.myLayout</a:t>
+            </a:r>
+            <a:r>
+              <a:rPr lang="es-ES" dirty="0" smtClean="0"/>
+              <a:t>&gt;</a:t>
+            </a:r>
           </a:p>
         </p:txBody>
       </p:sp>
@@ -10077,39 +10226,10 @@
           </a:p>
         </p:txBody>
       </p:sp>
-      <p:pic>
-        <p:nvPicPr>
-          <p:cNvPr id="6" name="Imagen 5"/>
-          <p:cNvPicPr>
-            <a:picLocks noChangeAspect="1"/>
-          </p:cNvPicPr>
-          <p:nvPr/>
-        </p:nvPicPr>
-        <p:blipFill>
-          <a:blip r:embed="rId2"/>
-          <a:stretch>
-            <a:fillRect/>
-          </a:stretch>
-        </p:blipFill>
-        <p:spPr>
-          <a:xfrm>
-            <a:off x="3014520" y="2248338"/>
-            <a:ext cx="6153150" cy="3286125"/>
-          </a:xfrm>
-          <a:prstGeom prst="rect">
-            <a:avLst/>
-          </a:prstGeom>
-          <a:ln w="25400">
-            <a:solidFill>
-              <a:schemeClr val="bg1"/>
-            </a:solidFill>
-          </a:ln>
-        </p:spPr>
-      </p:pic>
     </p:spTree>
     <p:extLst>
       <p:ext uri="{BB962C8B-B14F-4D97-AF65-F5344CB8AC3E}">
-        <p14:creationId xmlns:p14="http://schemas.microsoft.com/office/powerpoint/2010/main" val="715094470"/>
+        <p14:creationId xmlns:p14="http://schemas.microsoft.com/office/powerpoint/2010/main" val="1004673797"/>
       </p:ext>
     </p:extLst>
   </p:cSld>
@@ -10275,6 +10395,145 @@
 </file>
 
 <file path=ppt/slides/slide20.xml><?xml version="1.0" encoding="utf-8"?>
+<p:sld xmlns:a="http://schemas.openxmlformats.org/drawingml/2006/main" xmlns:r="http://schemas.openxmlformats.org/officeDocument/2006/relationships" xmlns:p="http://schemas.openxmlformats.org/presentationml/2006/main">
+  <p:cSld>
+    <p:spTree>
+      <p:nvGrpSpPr>
+        <p:cNvPr id="1" name=""/>
+        <p:cNvGrpSpPr/>
+        <p:nvPr/>
+      </p:nvGrpSpPr>
+      <p:grpSpPr>
+        <a:xfrm>
+          <a:off x="0" y="0"/>
+          <a:ext cx="0" cy="0"/>
+          <a:chOff x="0" y="0"/>
+          <a:chExt cx="0" cy="0"/>
+        </a:xfrm>
+      </p:grpSpPr>
+      <p:sp>
+        <p:nvSpPr>
+          <p:cNvPr id="3" name="Marcador de contenido 2"/>
+          <p:cNvSpPr>
+            <a:spLocks noGrp="1"/>
+          </p:cNvSpPr>
+          <p:nvPr>
+            <p:ph idx="1"/>
+          </p:nvPr>
+        </p:nvSpPr>
+        <p:spPr>
+          <a:xfrm>
+            <a:off x="639023" y="1427271"/>
+            <a:ext cx="10904145" cy="4928261"/>
+          </a:xfrm>
+        </p:spPr>
+        <p:txBody>
+          <a:bodyPr>
+            <a:normAutofit/>
+          </a:bodyPr>
+          <a:lstStyle/>
+          <a:p>
+            <a:pPr marL="0" indent="0" algn="just">
+              <a:buNone/>
+            </a:pPr>
+            <a:r>
+              <a:rPr lang="es-ES" b="1" dirty="0" smtClean="0"/>
+              <a:t>Ejemplo de uso de </a:t>
+            </a:r>
+            <a:r>
+              <a:rPr lang="es-ES" b="1" dirty="0" err="1" smtClean="0"/>
+              <a:t>layout</a:t>
+            </a:r>
+            <a:r>
+              <a:rPr lang="es-ES" b="1" dirty="0" smtClean="0"/>
+              <a:t>.</a:t>
+            </a:r>
+            <a:endParaRPr lang="es-ES" dirty="0"/>
+          </a:p>
+        </p:txBody>
+      </p:sp>
+      <p:sp>
+        <p:nvSpPr>
+          <p:cNvPr id="2" name="Título 1"/>
+          <p:cNvSpPr>
+            <a:spLocks noGrp="1"/>
+          </p:cNvSpPr>
+          <p:nvPr>
+            <p:ph type="title" idx="4294967295"/>
+          </p:nvPr>
+        </p:nvSpPr>
+        <p:spPr>
+          <a:xfrm>
+            <a:off x="534150" y="365126"/>
+            <a:ext cx="9981450" cy="759516"/>
+          </a:xfrm>
+        </p:spPr>
+        <p:txBody>
+          <a:bodyPr/>
+          <a:lstStyle/>
+          <a:p>
+            <a:r>
+              <a:rPr lang="es-ES" dirty="0" smtClean="0"/>
+              <a:t>Capa Vista con </a:t>
+            </a:r>
+            <a:r>
+              <a:rPr lang="es-ES" dirty="0" err="1" smtClean="0"/>
+              <a:t>Freemarker</a:t>
+            </a:r>
+            <a:endParaRPr lang="es-ES" dirty="0"/>
+          </a:p>
+        </p:txBody>
+      </p:sp>
+      <p:pic>
+        <p:nvPicPr>
+          <p:cNvPr id="6" name="Imagen 5"/>
+          <p:cNvPicPr>
+            <a:picLocks noChangeAspect="1"/>
+          </p:cNvPicPr>
+          <p:nvPr/>
+        </p:nvPicPr>
+        <p:blipFill>
+          <a:blip r:embed="rId2"/>
+          <a:stretch>
+            <a:fillRect/>
+          </a:stretch>
+        </p:blipFill>
+        <p:spPr>
+          <a:xfrm>
+            <a:off x="3014520" y="2248338"/>
+            <a:ext cx="6153150" cy="3286125"/>
+          </a:xfrm>
+          <a:prstGeom prst="rect">
+            <a:avLst/>
+          </a:prstGeom>
+          <a:ln w="25400">
+            <a:solidFill>
+              <a:schemeClr val="bg1"/>
+            </a:solidFill>
+          </a:ln>
+        </p:spPr>
+      </p:pic>
+    </p:spTree>
+    <p:extLst>
+      <p:ext uri="{BB962C8B-B14F-4D97-AF65-F5344CB8AC3E}">
+        <p14:creationId xmlns:p14="http://schemas.microsoft.com/office/powerpoint/2010/main" val="715094470"/>
+      </p:ext>
+    </p:extLst>
+  </p:cSld>
+  <p:clrMapOvr>
+    <a:masterClrMapping/>
+  </p:clrMapOvr>
+  <p:timing>
+    <p:tnLst>
+      <p:par>
+        <p:cTn id="1" dur="indefinite" restart="never" nodeType="tmRoot"/>
+      </p:par>
+    </p:tnLst>
+  </p:timing>
+</p:sld>
+</file>
+
+<file path=ppt/slides/slide21.xml><?xml version="1.0" encoding="utf-8"?>
 <p:sld xmlns:a="http://schemas.openxmlformats.org/drawingml/2006/main" xmlns:r="http://schemas.openxmlformats.org/officeDocument/2006/relationships" xmlns:p="http://schemas.openxmlformats.org/presentationml/2006/main">
   <p:cSld>
     <p:spTree>
@@ -10727,184 +10986,6 @@
 </p:sld>
 </file>
 
-<file path=ppt/slides/slide21.xml><?xml version="1.0" encoding="utf-8"?>
-<p:sld xmlns:a="http://schemas.openxmlformats.org/drawingml/2006/main" xmlns:r="http://schemas.openxmlformats.org/officeDocument/2006/relationships" xmlns:p="http://schemas.openxmlformats.org/presentationml/2006/main">
-  <p:cSld>
-    <p:spTree>
-      <p:nvGrpSpPr>
-        <p:cNvPr id="1" name=""/>
-        <p:cNvGrpSpPr/>
-        <p:nvPr/>
-      </p:nvGrpSpPr>
-      <p:grpSpPr>
-        <a:xfrm>
-          <a:off x="0" y="0"/>
-          <a:ext cx="0" cy="0"/>
-          <a:chOff x="0" y="0"/>
-          <a:chExt cx="0" cy="0"/>
-        </a:xfrm>
-      </p:grpSpPr>
-      <p:sp>
-        <p:nvSpPr>
-          <p:cNvPr id="3" name="Marcador de contenido 2"/>
-          <p:cNvSpPr>
-            <a:spLocks noGrp="1"/>
-          </p:cNvSpPr>
-          <p:nvPr>
-            <p:ph idx="1"/>
-          </p:nvPr>
-        </p:nvSpPr>
-        <p:spPr>
-          <a:xfrm>
-            <a:off x="639023" y="1427271"/>
-            <a:ext cx="10904145" cy="4928261"/>
-          </a:xfrm>
-        </p:spPr>
-        <p:txBody>
-          <a:bodyPr>
-            <a:normAutofit/>
-          </a:bodyPr>
-          <a:lstStyle/>
-          <a:p>
-            <a:pPr marL="0" indent="0" algn="just">
-              <a:buNone/>
-            </a:pPr>
-            <a:r>
-              <a:rPr lang="es-ES" dirty="0" smtClean="0"/>
-              <a:t>La capa de persistencia permite almacenar los datos de la aplicación en un sistema permanente, como una Base de Datos local o remota.</a:t>
-            </a:r>
-          </a:p>
-          <a:p>
-            <a:pPr marL="0" indent="0" algn="just">
-              <a:buNone/>
-            </a:pPr>
-            <a:endParaRPr lang="es-ES" dirty="0"/>
-          </a:p>
-          <a:p>
-            <a:pPr marL="0" indent="0" algn="just">
-              <a:buNone/>
-            </a:pPr>
-            <a:r>
-              <a:rPr lang="es-ES" dirty="0" smtClean="0"/>
-              <a:t>Para implementar la capa de persistencia podemos usar:</a:t>
-            </a:r>
-          </a:p>
-          <a:p>
-            <a:pPr algn="just"/>
-            <a:r>
-              <a:rPr lang="es-ES" b="1" dirty="0" smtClean="0"/>
-              <a:t>Uso directo</a:t>
-            </a:r>
-            <a:r>
-              <a:rPr lang="es-ES" dirty="0" smtClean="0"/>
-              <a:t>: Atacar directamente al origen de datos (Base de Datos, sistema de ficheros…).</a:t>
-            </a:r>
-          </a:p>
-          <a:p>
-            <a:pPr algn="just"/>
-            <a:r>
-              <a:rPr lang="es-ES" b="1" dirty="0" smtClean="0"/>
-              <a:t>ORM/ODM</a:t>
-            </a:r>
-            <a:r>
-              <a:rPr lang="es-ES" dirty="0" smtClean="0"/>
-              <a:t>: Mediante </a:t>
-            </a:r>
-            <a:r>
-              <a:rPr lang="es-ES" dirty="0" err="1" smtClean="0"/>
-              <a:t>Famework</a:t>
-            </a:r>
-            <a:r>
-              <a:rPr lang="es-ES" dirty="0" smtClean="0"/>
-              <a:t> como </a:t>
-            </a:r>
-            <a:r>
-              <a:rPr lang="es-ES" dirty="0" err="1" smtClean="0"/>
-              <a:t>Hibernate</a:t>
-            </a:r>
-            <a:r>
-              <a:rPr lang="es-ES" dirty="0" smtClean="0"/>
-              <a:t> o </a:t>
-            </a:r>
-            <a:r>
-              <a:rPr lang="es-ES" dirty="0" err="1" smtClean="0"/>
-              <a:t>Morphia</a:t>
-            </a:r>
-            <a:r>
-              <a:rPr lang="es-ES" dirty="0" smtClean="0"/>
-              <a:t> se consigue gestionar las operaciones sobre Base de Datos. Con esto conseguimos </a:t>
-            </a:r>
-            <a:r>
-              <a:rPr lang="es-ES" dirty="0"/>
-              <a:t>flexibilidad, mantenimiento y código más </a:t>
-            </a:r>
-            <a:r>
-              <a:rPr lang="es-ES" dirty="0" smtClean="0"/>
-              <a:t>simple.</a:t>
-            </a:r>
-          </a:p>
-          <a:p>
-            <a:pPr algn="just"/>
-            <a:r>
-              <a:rPr lang="es-ES" b="1" dirty="0" smtClean="0"/>
-              <a:t>Otros</a:t>
-            </a:r>
-            <a:r>
-              <a:rPr lang="es-ES" dirty="0" smtClean="0"/>
-              <a:t>: Servicios web, integración con aplicaciones externar, etc.</a:t>
-            </a:r>
-            <a:endParaRPr lang="es-ES" dirty="0"/>
-          </a:p>
-        </p:txBody>
-      </p:sp>
-      <p:sp>
-        <p:nvSpPr>
-          <p:cNvPr id="2" name="Título 1"/>
-          <p:cNvSpPr>
-            <a:spLocks noGrp="1"/>
-          </p:cNvSpPr>
-          <p:nvPr>
-            <p:ph type="title" idx="4294967295"/>
-          </p:nvPr>
-        </p:nvSpPr>
-        <p:spPr>
-          <a:xfrm>
-            <a:off x="534150" y="365126"/>
-            <a:ext cx="9981450" cy="759516"/>
-          </a:xfrm>
-        </p:spPr>
-        <p:txBody>
-          <a:bodyPr/>
-          <a:lstStyle/>
-          <a:p>
-            <a:r>
-              <a:rPr lang="es-ES" dirty="0" smtClean="0"/>
-              <a:t>Capa de persistencia</a:t>
-            </a:r>
-            <a:endParaRPr lang="es-ES" dirty="0"/>
-          </a:p>
-        </p:txBody>
-      </p:sp>
-    </p:spTree>
-    <p:extLst>
-      <p:ext uri="{BB962C8B-B14F-4D97-AF65-F5344CB8AC3E}">
-        <p14:creationId xmlns:p14="http://schemas.microsoft.com/office/powerpoint/2010/main" val="4076299343"/>
-      </p:ext>
-    </p:extLst>
-  </p:cSld>
-  <p:clrMapOvr>
-    <a:masterClrMapping/>
-  </p:clrMapOvr>
-  <p:timing>
-    <p:tnLst>
-      <p:par>
-        <p:cTn id="1" dur="indefinite" restart="never" nodeType="tmRoot"/>
-      </p:par>
-    </p:tnLst>
-  </p:timing>
-</p:sld>
-</file>
-
 <file path=ppt/slides/slide22.xml><?xml version="1.0" encoding="utf-8"?>
 <p:sld xmlns:a="http://schemas.openxmlformats.org/drawingml/2006/main" xmlns:r="http://schemas.openxmlformats.org/officeDocument/2006/relationships" xmlns:p="http://schemas.openxmlformats.org/presentationml/2006/main">
   <p:cSld>
@@ -10948,43 +11029,53 @@
               <a:buNone/>
             </a:pPr>
             <a:r>
-              <a:rPr lang="es-ES" b="1" dirty="0" err="1" smtClean="0"/>
-              <a:t>Hibernate</a:t>
-            </a:r>
-            <a:r>
-              <a:rPr lang="es-ES" dirty="0" smtClean="0"/>
-              <a:t> es uno de los ORM más populares para bases de datos relacionales (</a:t>
+              <a:rPr lang="es-ES" dirty="0" smtClean="0"/>
+              <a:t>La capa de persistencia permite almacenar los datos de la aplicación en un sistema permanente, como una Base de Datos local o remota.</a:t>
+            </a:r>
+          </a:p>
+          <a:p>
+            <a:pPr marL="0" indent="0" algn="just">
+              <a:buNone/>
+            </a:pPr>
+            <a:endParaRPr lang="es-ES" dirty="0"/>
+          </a:p>
+          <a:p>
+            <a:pPr marL="0" indent="0" algn="just">
+              <a:buNone/>
+            </a:pPr>
+            <a:r>
+              <a:rPr lang="es-ES" dirty="0" smtClean="0"/>
+              <a:t>Para implementar la capa de persistencia podemos usar:</a:t>
+            </a:r>
+          </a:p>
+          <a:p>
+            <a:pPr algn="just"/>
+            <a:r>
+              <a:rPr lang="es-ES" b="1" dirty="0" smtClean="0"/>
+              <a:t>Uso directo</a:t>
+            </a:r>
+            <a:r>
+              <a:rPr lang="es-ES" dirty="0" smtClean="0"/>
+              <a:t>: Atacar directamente al origen de datos (Base de Datos, sistema de ficheros…).</a:t>
+            </a:r>
+          </a:p>
+          <a:p>
+            <a:pPr algn="just"/>
+            <a:r>
+              <a:rPr lang="es-ES" b="1" dirty="0" smtClean="0"/>
+              <a:t>ORM/ODM</a:t>
+            </a:r>
+            <a:r>
+              <a:rPr lang="es-ES" dirty="0" smtClean="0"/>
+              <a:t>: Mediante </a:t>
             </a:r>
             <a:r>
               <a:rPr lang="es-ES" dirty="0" err="1" smtClean="0"/>
-              <a:t>MySQL</a:t>
-            </a:r>
-            <a:r>
-              <a:rPr lang="es-ES" dirty="0" smtClean="0"/>
-              <a:t>, Oracle, </a:t>
-            </a:r>
-            <a:r>
-              <a:rPr lang="es-ES" dirty="0" err="1" smtClean="0"/>
-              <a:t>PostgreSQL</a:t>
-            </a:r>
-            <a:r>
-              <a:rPr lang="es-ES" dirty="0" smtClean="0"/>
-              <a:t> …).</a:t>
-            </a:r>
-          </a:p>
-          <a:p>
-            <a:pPr marL="0" indent="0" algn="just">
-              <a:buNone/>
-            </a:pPr>
-            <a:endParaRPr lang="es-ES" dirty="0" smtClean="0"/>
-          </a:p>
-          <a:p>
-            <a:pPr marL="0" indent="0" algn="just">
-              <a:buNone/>
-            </a:pPr>
-            <a:r>
-              <a:rPr lang="es-ES" dirty="0" smtClean="0"/>
-              <a:t>Para utilizar </a:t>
+              <a:t>Famework</a:t>
+            </a:r>
+            <a:r>
+              <a:rPr lang="es-ES" dirty="0" smtClean="0"/>
+              <a:t> como </a:t>
             </a:r>
             <a:r>
               <a:rPr lang="es-ES" dirty="0" err="1" smtClean="0"/>
@@ -10992,63 +11083,34 @@
             </a:r>
             <a:r>
               <a:rPr lang="es-ES" dirty="0" smtClean="0"/>
-              <a:t> debemos:</a:t>
+              <a:t> o </a:t>
+            </a:r>
+            <a:r>
+              <a:rPr lang="es-ES" dirty="0" err="1" smtClean="0"/>
+              <a:t>Morphia</a:t>
+            </a:r>
+            <a:r>
+              <a:rPr lang="es-ES" dirty="0" smtClean="0"/>
+              <a:t> se consigue gestionar las operaciones sobre Base de Datos. Con esto conseguimos </a:t>
+            </a:r>
+            <a:r>
+              <a:rPr lang="es-ES" dirty="0"/>
+              <a:t>flexibilidad, mantenimiento y código más </a:t>
+            </a:r>
+            <a:r>
+              <a:rPr lang="es-ES" dirty="0" smtClean="0"/>
+              <a:t>simple.</a:t>
             </a:r>
           </a:p>
           <a:p>
             <a:pPr algn="just"/>
             <a:r>
-              <a:rPr lang="es-ES" dirty="0" smtClean="0"/>
-              <a:t>Configurar </a:t>
-            </a:r>
-            <a:r>
-              <a:rPr lang="es-ES" dirty="0" err="1" smtClean="0"/>
-              <a:t>Dependecias</a:t>
-            </a:r>
-            <a:r>
-              <a:rPr lang="es-ES" dirty="0"/>
-              <a:t> </a:t>
-            </a:r>
-            <a:r>
-              <a:rPr lang="es-ES" dirty="0" smtClean="0"/>
-              <a:t>– pom.xml</a:t>
-            </a:r>
-          </a:p>
-          <a:p>
-            <a:pPr algn="just"/>
-            <a:r>
-              <a:rPr lang="es-ES" dirty="0" smtClean="0"/>
-              <a:t>Configurar conexión </a:t>
-            </a:r>
-            <a:r>
-              <a:rPr lang="es-ES" dirty="0"/>
-              <a:t>a BD – </a:t>
-            </a:r>
-            <a:r>
-              <a:rPr lang="es-ES" dirty="0" smtClean="0"/>
-              <a:t>hibernate.cfg.xml</a:t>
-            </a:r>
-          </a:p>
-          <a:p>
-            <a:pPr algn="just"/>
-            <a:r>
-              <a:rPr lang="es-ES" dirty="0" smtClean="0"/>
-              <a:t>Crear los modelos.</a:t>
-            </a:r>
-          </a:p>
-          <a:p>
-            <a:pPr algn="just"/>
-            <a:r>
-              <a:rPr lang="es-ES" dirty="0" smtClean="0"/>
-              <a:t>Crear los </a:t>
-            </a:r>
-            <a:r>
-              <a:rPr lang="es-ES" dirty="0" err="1" smtClean="0"/>
-              <a:t>DAOs</a:t>
-            </a:r>
-            <a:r>
-              <a:rPr lang="es-ES" dirty="0" smtClean="0"/>
-              <a:t>.</a:t>
+              <a:rPr lang="es-ES" b="1" dirty="0" smtClean="0"/>
+              <a:t>Otros</a:t>
+            </a:r>
+            <a:r>
+              <a:rPr lang="es-ES" dirty="0" smtClean="0"/>
+              <a:t>: Servicios web, integración con aplicaciones externar, etc.</a:t>
             </a:r>
             <a:endParaRPr lang="es-ES" dirty="0"/>
           </a:p>
@@ -11085,7 +11147,7 @@
     </p:spTree>
     <p:extLst>
       <p:ext uri="{BB962C8B-B14F-4D97-AF65-F5344CB8AC3E}">
-        <p14:creationId xmlns:p14="http://schemas.microsoft.com/office/powerpoint/2010/main" val="362647891"/>
+        <p14:creationId xmlns:p14="http://schemas.microsoft.com/office/powerpoint/2010/main" val="4076299343"/>
       </p:ext>
     </p:extLst>
   </p:cSld>
@@ -11136,7 +11198,7 @@
           </a:xfrm>
         </p:spPr>
         <p:txBody>
-          <a:bodyPr numCol="1">
+          <a:bodyPr>
             <a:normAutofit/>
           </a:bodyPr>
           <a:lstStyle/>
@@ -11145,13 +11207,109 @@
               <a:buNone/>
             </a:pPr>
             <a:r>
-              <a:rPr lang="es-ES" b="1" dirty="0" smtClean="0"/>
-              <a:t>Pom.xml</a:t>
+              <a:rPr lang="es-ES" b="1" dirty="0" err="1" smtClean="0"/>
+              <a:t>Hibernate</a:t>
+            </a:r>
+            <a:r>
+              <a:rPr lang="es-ES" dirty="0" smtClean="0"/>
+              <a:t> es uno de los ORM más populares para bases de datos relacionales (</a:t>
+            </a:r>
+            <a:r>
+              <a:rPr lang="es-ES" dirty="0" err="1" smtClean="0"/>
+              <a:t>MySQL</a:t>
+            </a:r>
+            <a:r>
+              <a:rPr lang="es-ES" dirty="0" smtClean="0"/>
+              <a:t>, Oracle, </a:t>
+            </a:r>
+            <a:r>
+              <a:rPr lang="es-ES" dirty="0" err="1" smtClean="0"/>
+              <a:t>PostgreSQL</a:t>
+            </a:r>
+            <a:r>
+              <a:rPr lang="es-ES" dirty="0" smtClean="0"/>
+              <a:t> …).</a:t>
+            </a:r>
+          </a:p>
+          <a:p>
+            <a:pPr marL="0" indent="0" algn="just">
+              <a:buNone/>
+            </a:pPr>
+            <a:endParaRPr lang="es-ES" dirty="0" smtClean="0"/>
+          </a:p>
+          <a:p>
+            <a:pPr marL="0" indent="0" algn="just">
+              <a:buNone/>
+            </a:pPr>
+            <a:r>
+              <a:rPr lang="es-ES" dirty="0" smtClean="0"/>
+              <a:t>Para utilizar </a:t>
+            </a:r>
+            <a:r>
+              <a:rPr lang="es-ES" dirty="0" err="1" smtClean="0"/>
+              <a:t>Hibernate</a:t>
+            </a:r>
+            <a:r>
+              <a:rPr lang="es-ES" dirty="0" smtClean="0"/>
+              <a:t> debemos:</a:t>
+            </a:r>
+          </a:p>
+          <a:p>
+            <a:pPr algn="just"/>
+            <a:r>
+              <a:rPr lang="es-ES" dirty="0" smtClean="0"/>
+              <a:t>Configurar </a:t>
+            </a:r>
+            <a:r>
+              <a:rPr lang="es-ES" dirty="0" err="1" smtClean="0"/>
+              <a:t>Dependecias</a:t>
+            </a:r>
+            <a:r>
+              <a:rPr lang="es-ES" dirty="0"/>
+              <a:t> </a:t>
+            </a:r>
+            <a:r>
+              <a:rPr lang="es-ES" dirty="0" smtClean="0"/>
+              <a:t>– pom.xml</a:t>
+            </a:r>
+          </a:p>
+          <a:p>
+            <a:pPr algn="just"/>
+            <a:r>
+              <a:rPr lang="es-ES" dirty="0" smtClean="0"/>
+              <a:t>Configurar conexión </a:t>
+            </a:r>
+            <a:r>
+              <a:rPr lang="es-ES" dirty="0"/>
+              <a:t>a BD – </a:t>
+            </a:r>
+            <a:r>
+              <a:rPr lang="es-ES" dirty="0" smtClean="0"/>
+              <a:t>hibernate.cfg.xml</a:t>
+            </a:r>
+          </a:p>
+          <a:p>
+            <a:pPr algn="just"/>
+            <a:r>
+              <a:rPr lang="es-ES" dirty="0" smtClean="0"/>
+              <a:t>Crear los modelos.</a:t>
+            </a:r>
+          </a:p>
+          <a:p>
+            <a:pPr algn="just"/>
+            <a:r>
+              <a:rPr lang="es-ES" dirty="0" smtClean="0"/>
+              <a:t>Crear los </a:t>
+            </a:r>
+            <a:r>
+              <a:rPr lang="es-ES" dirty="0" err="1" smtClean="0"/>
+              <a:t>DAOs</a:t>
             </a:r>
             <a:r>
               <a:rPr lang="es-ES" dirty="0" smtClean="0"/>
               <a:t>.</a:t>
             </a:r>
+            <a:endParaRPr lang="es-ES" dirty="0"/>
           </a:p>
         </p:txBody>
       </p:sp>
@@ -11183,39 +11341,10 @@
           </a:p>
         </p:txBody>
       </p:sp>
-      <p:pic>
-        <p:nvPicPr>
-          <p:cNvPr id="5" name="Imagen 4"/>
-          <p:cNvPicPr>
-            <a:picLocks noChangeAspect="1"/>
-          </p:cNvPicPr>
-          <p:nvPr/>
-        </p:nvPicPr>
-        <p:blipFill>
-          <a:blip r:embed="rId2"/>
-          <a:stretch>
-            <a:fillRect/>
-          </a:stretch>
-        </p:blipFill>
-        <p:spPr>
-          <a:xfrm>
-            <a:off x="3071670" y="2253101"/>
-            <a:ext cx="6038850" cy="3276600"/>
-          </a:xfrm>
-          <a:prstGeom prst="rect">
-            <a:avLst/>
-          </a:prstGeom>
-          <a:ln w="25400">
-            <a:solidFill>
-              <a:schemeClr val="bg1"/>
-            </a:solidFill>
-          </a:ln>
-        </p:spPr>
-      </p:pic>
     </p:spTree>
     <p:extLst>
       <p:ext uri="{BB962C8B-B14F-4D97-AF65-F5344CB8AC3E}">
-        <p14:creationId xmlns:p14="http://schemas.microsoft.com/office/powerpoint/2010/main" val="3780998495"/>
+        <p14:creationId xmlns:p14="http://schemas.microsoft.com/office/powerpoint/2010/main" val="362647891"/>
       </p:ext>
     </p:extLst>
   </p:cSld>
@@ -11266,7 +11395,7 @@
           </a:xfrm>
         </p:spPr>
         <p:txBody>
-          <a:bodyPr numCol="2">
+          <a:bodyPr numCol="1">
             <a:normAutofit/>
           </a:bodyPr>
           <a:lstStyle/>
@@ -11276,18 +11405,12 @@
             </a:pPr>
             <a:r>
               <a:rPr lang="es-ES" b="1" dirty="0" smtClean="0"/>
-              <a:t>Hibernate.cfg.xml</a:t>
+              <a:t>Pom.xml</a:t>
             </a:r>
             <a:r>
               <a:rPr lang="es-ES" dirty="0" smtClean="0"/>
               <a:t>.</a:t>
             </a:r>
-          </a:p>
-          <a:p>
-            <a:pPr marL="0" indent="0">
-              <a:buNone/>
-            </a:pPr>
-            <a:endParaRPr lang="es-ES" dirty="0"/>
           </a:p>
         </p:txBody>
       </p:sp>
@@ -11321,7 +11444,7 @@
       </p:sp>
       <p:pic>
         <p:nvPicPr>
-          <p:cNvPr id="4" name="Imagen 3"/>
+          <p:cNvPr id="5" name="Imagen 4"/>
           <p:cNvPicPr>
             <a:picLocks noChangeAspect="1"/>
           </p:cNvPicPr>
@@ -11335,8 +11458,8 @@
         </p:blipFill>
         <p:spPr>
           <a:xfrm>
-            <a:off x="966645" y="1983557"/>
-            <a:ext cx="10248900" cy="4371975"/>
+            <a:off x="3071670" y="2253101"/>
+            <a:ext cx="6038850" cy="3276600"/>
           </a:xfrm>
           <a:prstGeom prst="rect">
             <a:avLst/>
@@ -11351,7 +11474,7 @@
     </p:spTree>
     <p:extLst>
       <p:ext uri="{BB962C8B-B14F-4D97-AF65-F5344CB8AC3E}">
-        <p14:creationId xmlns:p14="http://schemas.microsoft.com/office/powerpoint/2010/main" val="4036988802"/>
+        <p14:creationId xmlns:p14="http://schemas.microsoft.com/office/powerpoint/2010/main" val="3780998495"/>
       </p:ext>
     </p:extLst>
   </p:cSld>
@@ -11412,6 +11535,142 @@
             </a:pPr>
             <a:r>
               <a:rPr lang="es-ES" b="1" dirty="0" smtClean="0"/>
+              <a:t>Hibernate.cfg.xml</a:t>
+            </a:r>
+            <a:r>
+              <a:rPr lang="es-ES" dirty="0" smtClean="0"/>
+              <a:t>.</a:t>
+            </a:r>
+          </a:p>
+          <a:p>
+            <a:pPr marL="0" indent="0">
+              <a:buNone/>
+            </a:pPr>
+            <a:endParaRPr lang="es-ES" dirty="0"/>
+          </a:p>
+        </p:txBody>
+      </p:sp>
+      <p:sp>
+        <p:nvSpPr>
+          <p:cNvPr id="2" name="Título 1"/>
+          <p:cNvSpPr>
+            <a:spLocks noGrp="1"/>
+          </p:cNvSpPr>
+          <p:nvPr>
+            <p:ph type="title" idx="4294967295"/>
+          </p:nvPr>
+        </p:nvSpPr>
+        <p:spPr>
+          <a:xfrm>
+            <a:off x="534150" y="365126"/>
+            <a:ext cx="9981450" cy="759516"/>
+          </a:xfrm>
+        </p:spPr>
+        <p:txBody>
+          <a:bodyPr/>
+          <a:lstStyle/>
+          <a:p>
+            <a:r>
+              <a:rPr lang="es-ES" dirty="0" smtClean="0"/>
+              <a:t>Capa de persistencia</a:t>
+            </a:r>
+            <a:endParaRPr lang="es-ES" dirty="0"/>
+          </a:p>
+        </p:txBody>
+      </p:sp>
+      <p:pic>
+        <p:nvPicPr>
+          <p:cNvPr id="4" name="Imagen 3"/>
+          <p:cNvPicPr>
+            <a:picLocks noChangeAspect="1"/>
+          </p:cNvPicPr>
+          <p:nvPr/>
+        </p:nvPicPr>
+        <p:blipFill>
+          <a:blip r:embed="rId2"/>
+          <a:stretch>
+            <a:fillRect/>
+          </a:stretch>
+        </p:blipFill>
+        <p:spPr>
+          <a:xfrm>
+            <a:off x="966645" y="1983557"/>
+            <a:ext cx="10248900" cy="4371975"/>
+          </a:xfrm>
+          <a:prstGeom prst="rect">
+            <a:avLst/>
+          </a:prstGeom>
+          <a:ln w="25400">
+            <a:solidFill>
+              <a:schemeClr val="bg1"/>
+            </a:solidFill>
+          </a:ln>
+        </p:spPr>
+      </p:pic>
+    </p:spTree>
+    <p:extLst>
+      <p:ext uri="{BB962C8B-B14F-4D97-AF65-F5344CB8AC3E}">
+        <p14:creationId xmlns:p14="http://schemas.microsoft.com/office/powerpoint/2010/main" val="4036988802"/>
+      </p:ext>
+    </p:extLst>
+  </p:cSld>
+  <p:clrMapOvr>
+    <a:masterClrMapping/>
+  </p:clrMapOvr>
+  <p:timing>
+    <p:tnLst>
+      <p:par>
+        <p:cTn id="1" dur="indefinite" restart="never" nodeType="tmRoot"/>
+      </p:par>
+    </p:tnLst>
+  </p:timing>
+</p:sld>
+</file>
+
+<file path=ppt/slides/slide26.xml><?xml version="1.0" encoding="utf-8"?>
+<p:sld xmlns:a="http://schemas.openxmlformats.org/drawingml/2006/main" xmlns:r="http://schemas.openxmlformats.org/officeDocument/2006/relationships" xmlns:p="http://schemas.openxmlformats.org/presentationml/2006/main">
+  <p:cSld>
+    <p:spTree>
+      <p:nvGrpSpPr>
+        <p:cNvPr id="1" name=""/>
+        <p:cNvGrpSpPr/>
+        <p:nvPr/>
+      </p:nvGrpSpPr>
+      <p:grpSpPr>
+        <a:xfrm>
+          <a:off x="0" y="0"/>
+          <a:ext cx="0" cy="0"/>
+          <a:chOff x="0" y="0"/>
+          <a:chExt cx="0" cy="0"/>
+        </a:xfrm>
+      </p:grpSpPr>
+      <p:sp>
+        <p:nvSpPr>
+          <p:cNvPr id="3" name="Marcador de contenido 2"/>
+          <p:cNvSpPr>
+            <a:spLocks noGrp="1"/>
+          </p:cNvSpPr>
+          <p:nvPr>
+            <p:ph idx="1"/>
+          </p:nvPr>
+        </p:nvSpPr>
+        <p:spPr>
+          <a:xfrm>
+            <a:off x="639023" y="1427271"/>
+            <a:ext cx="10904145" cy="4928261"/>
+          </a:xfrm>
+        </p:spPr>
+        <p:txBody>
+          <a:bodyPr numCol="2">
+            <a:normAutofit/>
+          </a:bodyPr>
+          <a:lstStyle/>
+          <a:p>
+            <a:pPr marL="0" indent="0" algn="just">
+              <a:buNone/>
+            </a:pPr>
+            <a:r>
+              <a:rPr lang="es-ES" b="1" dirty="0" smtClean="0"/>
               <a:t>Modelo – Car.java</a:t>
             </a:r>
             <a:r>
@@ -11504,7 +11763,7 @@
 </p:sld>
 </file>
 
-<file path=ppt/slides/slide26.xml><?xml version="1.0" encoding="utf-8"?>
+<file path=ppt/slides/slide27.xml><?xml version="1.0" encoding="utf-8"?>
 <p:sld xmlns:a="http://schemas.openxmlformats.org/drawingml/2006/main" xmlns:r="http://schemas.openxmlformats.org/officeDocument/2006/relationships" xmlns:p="http://schemas.openxmlformats.org/presentationml/2006/main">
   <p:cSld>
     <p:bg>
@@ -11634,271 +11893,6 @@
   </p:cSld>
   <p:clrMapOvr>
     <a:overrideClrMapping bg1="dk1" tx1="lt1" bg2="dk2" tx2="lt2" accent1="accent1" accent2="accent2" accent3="accent3" accent4="accent4" accent5="accent5" accent6="accent6" hlink="hlink" folHlink="folHlink"/>
-  </p:clrMapOvr>
-  <p:timing>
-    <p:tnLst>
-      <p:par>
-        <p:cTn id="1" dur="indefinite" restart="never" nodeType="tmRoot"/>
-      </p:par>
-    </p:tnLst>
-  </p:timing>
-</p:sld>
-</file>
-
-<file path=ppt/slides/slide27.xml><?xml version="1.0" encoding="utf-8"?>
-<p:sld xmlns:a="http://schemas.openxmlformats.org/drawingml/2006/main" xmlns:r="http://schemas.openxmlformats.org/officeDocument/2006/relationships" xmlns:p="http://schemas.openxmlformats.org/presentationml/2006/main">
-  <p:cSld>
-    <p:spTree>
-      <p:nvGrpSpPr>
-        <p:cNvPr id="1" name=""/>
-        <p:cNvGrpSpPr/>
-        <p:nvPr/>
-      </p:nvGrpSpPr>
-      <p:grpSpPr>
-        <a:xfrm>
-          <a:off x="0" y="0"/>
-          <a:ext cx="0" cy="0"/>
-          <a:chOff x="0" y="0"/>
-          <a:chExt cx="0" cy="0"/>
-        </a:xfrm>
-      </p:grpSpPr>
-      <p:sp>
-        <p:nvSpPr>
-          <p:cNvPr id="3" name="Marcador de contenido 2"/>
-          <p:cNvSpPr>
-            <a:spLocks noGrp="1"/>
-          </p:cNvSpPr>
-          <p:nvPr>
-            <p:ph idx="1"/>
-          </p:nvPr>
-        </p:nvSpPr>
-        <p:spPr>
-          <a:xfrm>
-            <a:off x="639023" y="1427271"/>
-            <a:ext cx="10904145" cy="4928261"/>
-          </a:xfrm>
-        </p:spPr>
-        <p:txBody>
-          <a:bodyPr>
-            <a:normAutofit/>
-          </a:bodyPr>
-          <a:lstStyle/>
-          <a:p>
-            <a:pPr marL="0" indent="0" algn="just">
-              <a:buNone/>
-            </a:pPr>
-            <a:r>
-              <a:rPr lang="es-ES" b="1" dirty="0" err="1" smtClean="0"/>
-              <a:t>Heroku</a:t>
-            </a:r>
-            <a:r>
-              <a:rPr lang="es-ES" dirty="0" smtClean="0"/>
-              <a:t> es una plataforma de aplicaciones en la nube (</a:t>
-            </a:r>
-            <a:r>
-              <a:rPr lang="es-ES" dirty="0" err="1"/>
-              <a:t>PaaS</a:t>
-            </a:r>
-            <a:r>
-              <a:rPr lang="es-ES" dirty="0" smtClean="0"/>
-              <a:t>) que gestiona todo lo </a:t>
-            </a:r>
-            <a:r>
-              <a:rPr lang="es-ES" dirty="0" err="1" smtClean="0"/>
-              <a:t>refente</a:t>
-            </a:r>
-            <a:r>
-              <a:rPr lang="es-ES" dirty="0" smtClean="0"/>
-              <a:t> al </a:t>
-            </a:r>
-            <a:r>
-              <a:rPr lang="es-ES" dirty="0" err="1" smtClean="0"/>
-              <a:t>despligue</a:t>
-            </a:r>
-            <a:r>
-              <a:rPr lang="es-ES" dirty="0" smtClean="0"/>
-              <a:t>, gestión de servidores, recursos, etc.</a:t>
-            </a:r>
-          </a:p>
-          <a:p>
-            <a:pPr marL="0" indent="0">
-              <a:buNone/>
-            </a:pPr>
-            <a:endParaRPr lang="es-ES" dirty="0"/>
-          </a:p>
-          <a:p>
-            <a:pPr marL="0" indent="0">
-              <a:buNone/>
-            </a:pPr>
-            <a:r>
-              <a:rPr lang="es-ES" dirty="0">
-                <a:hlinkClick r:id="rId2"/>
-              </a:rPr>
-              <a:t>https://</a:t>
-            </a:r>
-            <a:r>
-              <a:rPr lang="es-ES" dirty="0" smtClean="0">
-                <a:hlinkClick r:id="rId2"/>
-              </a:rPr>
-              <a:t>www.heroku.com</a:t>
-            </a:r>
-            <a:r>
-              <a:rPr lang="es-ES" dirty="0" smtClean="0"/>
-              <a:t> </a:t>
-            </a:r>
-          </a:p>
-          <a:p>
-            <a:pPr marL="0" indent="0">
-              <a:buNone/>
-            </a:pPr>
-            <a:endParaRPr lang="es-ES" dirty="0"/>
-          </a:p>
-          <a:p>
-            <a:pPr marL="0" indent="0">
-              <a:buNone/>
-            </a:pPr>
-            <a:r>
-              <a:rPr lang="es-ES" b="1" dirty="0"/>
-              <a:t>Pre-requisitos</a:t>
-            </a:r>
-            <a:r>
-              <a:rPr lang="en-US" dirty="0"/>
-              <a:t>:</a:t>
-            </a:r>
-          </a:p>
-          <a:p>
-            <a:r>
-              <a:rPr lang="en-US" b="1" dirty="0" err="1" smtClean="0"/>
-              <a:t>Crear</a:t>
-            </a:r>
-            <a:r>
-              <a:rPr lang="en-US" b="1" dirty="0" smtClean="0"/>
-              <a:t> </a:t>
-            </a:r>
-            <a:r>
-              <a:rPr lang="en-US" b="1" dirty="0" err="1" smtClean="0"/>
-              <a:t>cuenta</a:t>
-            </a:r>
-            <a:r>
-              <a:rPr lang="en-US" dirty="0"/>
-              <a:t> – </a:t>
-            </a:r>
-            <a:r>
-              <a:rPr lang="en-US" dirty="0">
-                <a:hlinkClick r:id="rId3"/>
-              </a:rPr>
-              <a:t>https://</a:t>
-            </a:r>
-            <a:r>
-              <a:rPr lang="en-US" dirty="0" smtClean="0">
-                <a:hlinkClick r:id="rId3"/>
-              </a:rPr>
-              <a:t>signup.heroku.com/dc</a:t>
-            </a:r>
-            <a:r>
-              <a:rPr lang="en-US" dirty="0" smtClean="0"/>
-              <a:t> </a:t>
-            </a:r>
-            <a:endParaRPr lang="en-US" dirty="0"/>
-          </a:p>
-          <a:p>
-            <a:r>
-              <a:rPr lang="en-US" b="1" dirty="0" err="1" smtClean="0"/>
-              <a:t>Instalar</a:t>
-            </a:r>
-            <a:r>
-              <a:rPr lang="en-US" b="1" dirty="0" smtClean="0"/>
-              <a:t> </a:t>
-            </a:r>
-            <a:r>
-              <a:rPr lang="en-US" b="1" dirty="0" err="1" smtClean="0"/>
-              <a:t>Heroku</a:t>
-            </a:r>
-            <a:r>
-              <a:rPr lang="en-US" b="1" dirty="0" smtClean="0"/>
-              <a:t> </a:t>
-            </a:r>
-            <a:r>
-              <a:rPr lang="en-US" b="1" dirty="0" err="1"/>
-              <a:t>t</a:t>
-            </a:r>
-            <a:r>
-              <a:rPr lang="en-US" b="1" dirty="0" err="1" smtClean="0"/>
-              <a:t>oolbelt</a:t>
-            </a:r>
-            <a:r>
-              <a:rPr lang="en-US" dirty="0" smtClean="0"/>
-              <a:t> </a:t>
-            </a:r>
-            <a:r>
-              <a:rPr lang="en-US" dirty="0"/>
-              <a:t>- </a:t>
-            </a:r>
-            <a:r>
-              <a:rPr lang="en-US" dirty="0">
-                <a:hlinkClick r:id="rId4"/>
-              </a:rPr>
-              <a:t>https://toolbelt.heroku.com</a:t>
-            </a:r>
-            <a:r>
-              <a:rPr lang="en-US" dirty="0" smtClean="0">
-                <a:hlinkClick r:id="rId4"/>
-              </a:rPr>
-              <a:t>/</a:t>
-            </a:r>
-            <a:r>
-              <a:rPr lang="en-US" dirty="0" smtClean="0"/>
-              <a:t> </a:t>
-            </a:r>
-            <a:endParaRPr lang="en-US" dirty="0"/>
-          </a:p>
-        </p:txBody>
-      </p:sp>
-      <p:sp>
-        <p:nvSpPr>
-          <p:cNvPr id="2" name="Título 1"/>
-          <p:cNvSpPr>
-            <a:spLocks noGrp="1"/>
-          </p:cNvSpPr>
-          <p:nvPr>
-            <p:ph type="title" idx="4294967295"/>
-          </p:nvPr>
-        </p:nvSpPr>
-        <p:spPr>
-          <a:xfrm>
-            <a:off x="534150" y="365126"/>
-            <a:ext cx="9981450" cy="759516"/>
-          </a:xfrm>
-        </p:spPr>
-        <p:txBody>
-          <a:bodyPr/>
-          <a:lstStyle/>
-          <a:p>
-            <a:r>
-              <a:rPr lang="es-ES" dirty="0" err="1" smtClean="0"/>
-              <a:t>Spark</a:t>
-            </a:r>
-            <a:r>
-              <a:rPr lang="es-ES" dirty="0" smtClean="0"/>
-              <a:t> en la nube con </a:t>
-            </a:r>
-            <a:r>
-              <a:rPr lang="es-ES" dirty="0" err="1" smtClean="0"/>
-              <a:t>Heroku</a:t>
-            </a:r>
-            <a:endParaRPr lang="es-ES" dirty="0"/>
-          </a:p>
-        </p:txBody>
-      </p:sp>
-    </p:spTree>
-    <p:extLst>
-      <p:ext uri="{BB962C8B-B14F-4D97-AF65-F5344CB8AC3E}">
-        <p14:creationId xmlns:p14="http://schemas.microsoft.com/office/powerpoint/2010/main" val="55451927"/>
-      </p:ext>
-    </p:extLst>
-  </p:cSld>
-  <p:clrMapOvr>
-    <a:masterClrMapping/>
   </p:clrMapOvr>
   <p:timing>
     <p:tnLst>
@@ -11953,28 +11947,36 @@
               <a:buNone/>
             </a:pPr>
             <a:r>
-              <a:rPr lang="es-ES" dirty="0" smtClean="0"/>
-              <a:t>Configurar el proyecto con </a:t>
-            </a:r>
-            <a:r>
               <a:rPr lang="es-ES" b="1" dirty="0" err="1" smtClean="0"/>
-              <a:t>Maven</a:t>
-            </a:r>
-            <a:r>
-              <a:rPr lang="es-ES" b="1" dirty="0" smtClean="0"/>
-              <a:t> – Generar </a:t>
-            </a:r>
-            <a:r>
-              <a:rPr lang="es-ES" b="1" dirty="0" err="1" smtClean="0"/>
-              <a:t>jar</a:t>
-            </a:r>
-            <a:r>
-              <a:rPr lang="es-ES" b="1" dirty="0" smtClean="0"/>
-              <a:t> ejecutable</a:t>
-            </a:r>
-            <a:r>
-              <a:rPr lang="es-ES" dirty="0" smtClean="0"/>
-              <a:t>.</a:t>
+              <a:t>Heroku</a:t>
+            </a:r>
+            <a:r>
+              <a:rPr lang="es-ES" dirty="0" smtClean="0"/>
+              <a:t> es una plataforma de aplicaciones en la nube (</a:t>
+            </a:r>
+            <a:r>
+              <a:rPr lang="es-ES" dirty="0" err="1"/>
+              <a:t>PaaS</a:t>
+            </a:r>
+            <a:r>
+              <a:rPr lang="es-ES" dirty="0" smtClean="0"/>
+              <a:t>) que gestiona todo lo </a:t>
+            </a:r>
+            <a:r>
+              <a:rPr lang="es-ES" dirty="0" err="1" smtClean="0"/>
+              <a:t>refente</a:t>
+            </a:r>
+            <a:r>
+              <a:rPr lang="es-ES" dirty="0" smtClean="0"/>
+              <a:t> al </a:t>
+            </a:r>
+            <a:r>
+              <a:rPr lang="es-ES" dirty="0" err="1" smtClean="0"/>
+              <a:t>despligue</a:t>
+            </a:r>
+            <a:r>
+              <a:rPr lang="es-ES" dirty="0" smtClean="0"/>
+              <a:t>, gestión de servidores, recursos, etc.</a:t>
             </a:r>
           </a:p>
           <a:p>
@@ -11983,6 +11985,132 @@
             </a:pPr>
             <a:endParaRPr lang="es-ES" dirty="0"/>
           </a:p>
+          <a:p>
+            <a:pPr marL="0" indent="0">
+              <a:buNone/>
+            </a:pPr>
+            <a:r>
+              <a:rPr lang="es-ES" dirty="0">
+                <a:hlinkClick r:id="rId2"/>
+              </a:rPr>
+              <a:t>https://</a:t>
+            </a:r>
+            <a:r>
+              <a:rPr lang="es-ES" dirty="0" smtClean="0">
+                <a:hlinkClick r:id="rId2"/>
+              </a:rPr>
+              <a:t>www.heroku.com</a:t>
+            </a:r>
+            <a:r>
+              <a:rPr lang="es-ES" dirty="0" smtClean="0"/>
+              <a:t> </a:t>
+            </a:r>
+          </a:p>
+          <a:p>
+            <a:pPr marL="0" indent="0">
+              <a:buNone/>
+            </a:pPr>
+            <a:endParaRPr lang="es-ES" dirty="0"/>
+          </a:p>
+          <a:p>
+            <a:pPr marL="0" indent="0">
+              <a:buNone/>
+            </a:pPr>
+            <a:r>
+              <a:rPr lang="es-ES" b="1" dirty="0"/>
+              <a:t>Pre-requisitos</a:t>
+            </a:r>
+            <a:r>
+              <a:rPr lang="en-US" dirty="0"/>
+              <a:t>:</a:t>
+            </a:r>
+          </a:p>
+          <a:p>
+            <a:r>
+              <a:rPr lang="en-US" b="1" dirty="0" err="1" smtClean="0"/>
+              <a:t>Crear</a:t>
+            </a:r>
+            <a:r>
+              <a:rPr lang="en-US" b="1" dirty="0" smtClean="0"/>
+              <a:t> </a:t>
+            </a:r>
+            <a:r>
+              <a:rPr lang="en-US" b="1" dirty="0" err="1" smtClean="0"/>
+              <a:t>cuenta</a:t>
+            </a:r>
+            <a:r>
+              <a:rPr lang="en-US" dirty="0"/>
+              <a:t> – </a:t>
+            </a:r>
+            <a:r>
+              <a:rPr lang="en-US" dirty="0">
+                <a:hlinkClick r:id="rId3"/>
+              </a:rPr>
+              <a:t>https://</a:t>
+            </a:r>
+            <a:r>
+              <a:rPr lang="en-US" dirty="0" smtClean="0">
+                <a:hlinkClick r:id="rId3"/>
+              </a:rPr>
+              <a:t>signup.heroku.com/dc</a:t>
+            </a:r>
+            <a:r>
+              <a:rPr lang="en-US" dirty="0" smtClean="0"/>
+              <a:t> </a:t>
+            </a:r>
+            <a:endParaRPr lang="en-US" dirty="0"/>
+          </a:p>
+          <a:p>
+            <a:r>
+              <a:rPr lang="en-US" b="1" dirty="0" err="1" smtClean="0"/>
+              <a:t>Instalar</a:t>
+            </a:r>
+            <a:r>
+              <a:rPr lang="en-US" b="1" dirty="0" smtClean="0"/>
+              <a:t> </a:t>
+            </a:r>
+            <a:r>
+              <a:rPr lang="en-US" b="1" dirty="0" err="1" smtClean="0"/>
+              <a:t>Heroku</a:t>
+            </a:r>
+            <a:r>
+              <a:rPr lang="en-US" b="1" dirty="0" smtClean="0"/>
+              <a:t> </a:t>
+            </a:r>
+            <a:r>
+              <a:rPr lang="en-US" b="1" dirty="0" err="1"/>
+              <a:t>t</a:t>
+            </a:r>
+            <a:r>
+              <a:rPr lang="en-US" b="1" dirty="0" err="1" smtClean="0"/>
+              <a:t>oolbelt</a:t>
+            </a:r>
+            <a:r>
+              <a:rPr lang="en-US" dirty="0" smtClean="0"/>
+              <a:t> </a:t>
+            </a:r>
+            <a:r>
+              <a:rPr lang="en-US" dirty="0"/>
+              <a:t>- </a:t>
+            </a:r>
+            <a:r>
+              <a:rPr lang="en-US" dirty="0">
+                <a:hlinkClick r:id="rId4"/>
+              </a:rPr>
+              <a:t>https://toolbelt.heroku.com</a:t>
+            </a:r>
+            <a:r>
+              <a:rPr lang="en-US" dirty="0" smtClean="0">
+                <a:hlinkClick r:id="rId4"/>
+              </a:rPr>
+              <a:t>/</a:t>
+            </a:r>
+            <a:r>
+              <a:rPr lang="en-US" dirty="0" smtClean="0"/>
+              <a:t> </a:t>
+            </a:r>
+            <a:endParaRPr lang="en-US" dirty="0"/>
+          </a:p>
         </p:txBody>
       </p:sp>
       <p:sp>
@@ -12021,39 +12149,10 @@
           </a:p>
         </p:txBody>
       </p:sp>
-      <p:pic>
-        <p:nvPicPr>
-          <p:cNvPr id="4" name="Imagen 3"/>
-          <p:cNvPicPr>
-            <a:picLocks noChangeAspect="1"/>
-          </p:cNvPicPr>
-          <p:nvPr/>
-        </p:nvPicPr>
-        <p:blipFill>
-          <a:blip r:embed="rId2"/>
-          <a:stretch>
-            <a:fillRect/>
-          </a:stretch>
-        </p:blipFill>
-        <p:spPr>
-          <a:xfrm>
-            <a:off x="1776412" y="1940106"/>
-            <a:ext cx="8639175" cy="4467225"/>
-          </a:xfrm>
-          <a:prstGeom prst="rect">
-            <a:avLst/>
-          </a:prstGeom>
-          <a:ln w="25400">
-            <a:solidFill>
-              <a:schemeClr val="bg1"/>
-            </a:solidFill>
-          </a:ln>
-        </p:spPr>
-      </p:pic>
     </p:spTree>
     <p:extLst>
       <p:ext uri="{BB962C8B-B14F-4D97-AF65-F5344CB8AC3E}">
-        <p14:creationId xmlns:p14="http://schemas.microsoft.com/office/powerpoint/2010/main" val="499734919"/>
+        <p14:creationId xmlns:p14="http://schemas.microsoft.com/office/powerpoint/2010/main" val="55451927"/>
       </p:ext>
     </p:extLst>
   </p:cSld>
@@ -12122,19 +12221,15 @@
             </a:r>
             <a:r>
               <a:rPr lang="es-ES" b="1" dirty="0" smtClean="0"/>
-              <a:t> – </a:t>
+              <a:t> – Generar </a:t>
             </a:r>
             <a:r>
               <a:rPr lang="es-ES" b="1" dirty="0" err="1" smtClean="0"/>
-              <a:t>Deplegar</a:t>
+              <a:t>jar</a:t>
             </a:r>
             <a:r>
               <a:rPr lang="es-ES" b="1" dirty="0" smtClean="0"/>
-              <a:t> y arrancar aplicación en </a:t>
-            </a:r>
-            <a:r>
-              <a:rPr lang="es-ES" b="1" dirty="0" err="1" smtClean="0"/>
-              <a:t>Heroku</a:t>
+              <a:t> ejecutable</a:t>
             </a:r>
             <a:r>
               <a:rPr lang="es-ES" dirty="0" smtClean="0"/>
@@ -12201,8 +12296,8 @@
         </p:blipFill>
         <p:spPr>
           <a:xfrm>
-            <a:off x="1652587" y="2603369"/>
-            <a:ext cx="8886825" cy="2895600"/>
+            <a:off x="1776412" y="1940106"/>
+            <a:ext cx="8639175" cy="4467225"/>
           </a:xfrm>
           <a:prstGeom prst="rect">
             <a:avLst/>
@@ -12217,7 +12312,7 @@
     </p:spTree>
     <p:extLst>
       <p:ext uri="{BB962C8B-B14F-4D97-AF65-F5344CB8AC3E}">
-        <p14:creationId xmlns:p14="http://schemas.microsoft.com/office/powerpoint/2010/main" val="7536711"/>
+        <p14:creationId xmlns:p14="http://schemas.microsoft.com/office/powerpoint/2010/main" val="499734919"/>
       </p:ext>
     </p:extLst>
   </p:cSld>
@@ -12566,30 +12661,30 @@
             </a:pPr>
             <a:r>
               <a:rPr lang="es-ES" dirty="0" smtClean="0"/>
-              <a:t>Crear aplicación en </a:t>
-            </a:r>
-            <a:r>
-              <a:rPr lang="es-ES" dirty="0" err="1" smtClean="0"/>
+              <a:t>Configurar el proyecto con </a:t>
+            </a:r>
+            <a:r>
+              <a:rPr lang="es-ES" b="1" dirty="0" err="1" smtClean="0"/>
+              <a:t>Maven</a:t>
+            </a:r>
+            <a:r>
+              <a:rPr lang="es-ES" b="1" dirty="0" smtClean="0"/>
+              <a:t> – </a:t>
+            </a:r>
+            <a:r>
+              <a:rPr lang="es-ES" b="1" dirty="0" err="1" smtClean="0"/>
+              <a:t>Deplegar</a:t>
+            </a:r>
+            <a:r>
+              <a:rPr lang="es-ES" b="1" dirty="0" smtClean="0"/>
+              <a:t> y arrancar aplicación en </a:t>
+            </a:r>
+            <a:r>
+              <a:rPr lang="es-ES" b="1" dirty="0" err="1" smtClean="0"/>
               <a:t>Heroku</a:t>
             </a:r>
             <a:r>
               <a:rPr lang="es-ES" dirty="0" smtClean="0"/>
-              <a:t> con </a:t>
-            </a:r>
-            <a:r>
-              <a:rPr lang="es-ES" dirty="0" err="1" smtClean="0"/>
-              <a:t>Heroku</a:t>
-            </a:r>
-            <a:r>
-              <a:rPr lang="es-ES" dirty="0" smtClean="0"/>
-              <a:t> </a:t>
-            </a:r>
-            <a:r>
-              <a:rPr lang="es-ES" dirty="0" err="1" smtClean="0"/>
-              <a:t>toolbelt</a:t>
-            </a:r>
-            <a:r>
-              <a:rPr lang="es-ES" dirty="0" smtClean="0"/>
               <a:t>.</a:t>
             </a:r>
           </a:p>
@@ -12597,65 +12692,7 @@
             <a:pPr marL="0" indent="0">
               <a:buNone/>
             </a:pPr>
-            <a:endParaRPr lang="es-ES" dirty="0" smtClean="0"/>
-          </a:p>
-          <a:p>
-            <a:pPr marL="0" indent="0">
-              <a:buNone/>
-            </a:pPr>
-            <a:r>
-              <a:rPr lang="es-ES" dirty="0" err="1">
-                <a:latin typeface="Courier New" panose="02070309020205020404" pitchFamily="49" charset="0"/>
-                <a:cs typeface="Courier New" panose="02070309020205020404" pitchFamily="49" charset="0"/>
-              </a:rPr>
-              <a:t>h</a:t>
-            </a:r>
-            <a:r>
-              <a:rPr lang="es-ES" dirty="0" err="1" smtClean="0">
-                <a:latin typeface="Courier New" panose="02070309020205020404" pitchFamily="49" charset="0"/>
-                <a:cs typeface="Courier New" panose="02070309020205020404" pitchFamily="49" charset="0"/>
-              </a:rPr>
-              <a:t>eroku</a:t>
-            </a:r>
-            <a:r>
-              <a:rPr lang="es-ES" dirty="0" smtClean="0">
-                <a:latin typeface="Courier New" panose="02070309020205020404" pitchFamily="49" charset="0"/>
-                <a:cs typeface="Courier New" panose="02070309020205020404" pitchFamily="49" charset="0"/>
-              </a:rPr>
-              <a:t> </a:t>
-            </a:r>
-            <a:r>
-              <a:rPr lang="es-ES" dirty="0" err="1" smtClean="0">
-                <a:latin typeface="Courier New" panose="02070309020205020404" pitchFamily="49" charset="0"/>
-                <a:cs typeface="Courier New" panose="02070309020205020404" pitchFamily="49" charset="0"/>
-              </a:rPr>
-              <a:t>create</a:t>
-            </a:r>
-            <a:r>
-              <a:rPr lang="es-ES" dirty="0" smtClean="0">
-                <a:latin typeface="Courier New" panose="02070309020205020404" pitchFamily="49" charset="0"/>
-                <a:cs typeface="Courier New" panose="02070309020205020404" pitchFamily="49" charset="0"/>
-              </a:rPr>
-              <a:t> &lt;nombre-</a:t>
-            </a:r>
-            <a:r>
-              <a:rPr lang="es-ES" dirty="0" err="1" smtClean="0">
-                <a:latin typeface="Courier New" panose="02070309020205020404" pitchFamily="49" charset="0"/>
-                <a:cs typeface="Courier New" panose="02070309020205020404" pitchFamily="49" charset="0"/>
-              </a:rPr>
-              <a:t>app</a:t>
-            </a:r>
-            <a:r>
-              <a:rPr lang="es-ES" dirty="0" smtClean="0">
-                <a:latin typeface="Courier New" panose="02070309020205020404" pitchFamily="49" charset="0"/>
-                <a:cs typeface="Courier New" panose="02070309020205020404" pitchFamily="49" charset="0"/>
-              </a:rPr>
-              <a:t>&gt;</a:t>
-            </a:r>
-            <a:endParaRPr lang="es-ES" dirty="0">
-              <a:latin typeface="Courier New" panose="02070309020205020404" pitchFamily="49" charset="0"/>
-              <a:cs typeface="Courier New" panose="02070309020205020404" pitchFamily="49" charset="0"/>
-            </a:endParaRPr>
+            <a:endParaRPr lang="es-ES" dirty="0"/>
           </a:p>
         </p:txBody>
       </p:sp>
@@ -12711,18 +12748,23 @@
         </p:blipFill>
         <p:spPr>
           <a:xfrm>
-            <a:off x="2347912" y="3372094"/>
-            <a:ext cx="7496175" cy="981075"/>
+            <a:off x="1652587" y="2603369"/>
+            <a:ext cx="8886825" cy="2895600"/>
           </a:xfrm>
           <a:prstGeom prst="rect">
             <a:avLst/>
           </a:prstGeom>
+          <a:ln w="25400">
+            <a:solidFill>
+              <a:schemeClr val="bg1"/>
+            </a:solidFill>
+          </a:ln>
         </p:spPr>
       </p:pic>
     </p:spTree>
     <p:extLst>
       <p:ext uri="{BB962C8B-B14F-4D97-AF65-F5344CB8AC3E}">
-        <p14:creationId xmlns:p14="http://schemas.microsoft.com/office/powerpoint/2010/main" val="1096143915"/>
+        <p14:creationId xmlns:p14="http://schemas.microsoft.com/office/powerpoint/2010/main" val="7536711"/>
       </p:ext>
     </p:extLst>
   </p:cSld>
@@ -12783,7 +12825,7 @@
             </a:pPr>
             <a:r>
               <a:rPr lang="es-ES" dirty="0" smtClean="0"/>
-              <a:t>Configurar el puerto asignado por </a:t>
+              <a:t>Crear aplicación en </a:t>
             </a:r>
             <a:r>
               <a:rPr lang="es-ES" dirty="0" err="1" smtClean="0"/>
@@ -12791,9 +12833,88 @@
             </a:r>
             <a:r>
               <a:rPr lang="es-ES" dirty="0" smtClean="0"/>
+              <a:t> con </a:t>
+            </a:r>
+            <a:r>
+              <a:rPr lang="es-ES" dirty="0" err="1" smtClean="0"/>
+              <a:t>Heroku</a:t>
+            </a:r>
+            <a:r>
+              <a:rPr lang="es-ES" dirty="0" smtClean="0"/>
+              <a:t> </a:t>
+            </a:r>
+            <a:r>
+              <a:rPr lang="es-ES" dirty="0" err="1" smtClean="0"/>
+              <a:t>toolbelt</a:t>
+            </a:r>
+            <a:r>
+              <a:rPr lang="es-ES" dirty="0" smtClean="0"/>
               <a:t>.</a:t>
             </a:r>
+          </a:p>
+          <a:p>
+            <a:pPr marL="0" indent="0">
+              <a:buNone/>
+            </a:pPr>
             <a:endParaRPr lang="es-ES" dirty="0" smtClean="0"/>
+          </a:p>
+          <a:p>
+            <a:pPr marL="0" indent="0">
+              <a:buNone/>
+            </a:pPr>
+            <a:r>
+              <a:rPr lang="es-ES" dirty="0" err="1">
+                <a:latin typeface="Courier New" panose="02070309020205020404" pitchFamily="49" charset="0"/>
+                <a:cs typeface="Courier New" panose="02070309020205020404" pitchFamily="49" charset="0"/>
+              </a:rPr>
+              <a:t>h</a:t>
+            </a:r>
+            <a:r>
+              <a:rPr lang="es-ES" dirty="0" err="1" smtClean="0">
+                <a:latin typeface="Courier New" panose="02070309020205020404" pitchFamily="49" charset="0"/>
+                <a:cs typeface="Courier New" panose="02070309020205020404" pitchFamily="49" charset="0"/>
+              </a:rPr>
+              <a:t>eroku</a:t>
+            </a:r>
+            <a:r>
+              <a:rPr lang="es-ES" dirty="0" smtClean="0">
+                <a:latin typeface="Courier New" panose="02070309020205020404" pitchFamily="49" charset="0"/>
+                <a:cs typeface="Courier New" panose="02070309020205020404" pitchFamily="49" charset="0"/>
+              </a:rPr>
+              <a:t> </a:t>
+            </a:r>
+            <a:r>
+              <a:rPr lang="es-ES" dirty="0" err="1" smtClean="0">
+                <a:latin typeface="Courier New" panose="02070309020205020404" pitchFamily="49" charset="0"/>
+                <a:cs typeface="Courier New" panose="02070309020205020404" pitchFamily="49" charset="0"/>
+              </a:rPr>
+              <a:t>create</a:t>
+            </a:r>
+            <a:r>
+              <a:rPr lang="es-ES" dirty="0" smtClean="0">
+                <a:latin typeface="Courier New" panose="02070309020205020404" pitchFamily="49" charset="0"/>
+                <a:cs typeface="Courier New" panose="02070309020205020404" pitchFamily="49" charset="0"/>
+              </a:rPr>
+              <a:t> &lt;nombre-</a:t>
+            </a:r>
+            <a:r>
+              <a:rPr lang="es-ES" dirty="0" err="1" smtClean="0">
+                <a:latin typeface="Courier New" panose="02070309020205020404" pitchFamily="49" charset="0"/>
+                <a:cs typeface="Courier New" panose="02070309020205020404" pitchFamily="49" charset="0"/>
+              </a:rPr>
+              <a:t>app</a:t>
+            </a:r>
+            <a:r>
+              <a:rPr lang="es-ES" dirty="0" smtClean="0">
+                <a:latin typeface="Courier New" panose="02070309020205020404" pitchFamily="49" charset="0"/>
+                <a:cs typeface="Courier New" panose="02070309020205020404" pitchFamily="49" charset="0"/>
+              </a:rPr>
+              <a:t>&gt;</a:t>
+            </a:r>
+            <a:endParaRPr lang="es-ES" dirty="0">
+              <a:latin typeface="Courier New" panose="02070309020205020404" pitchFamily="49" charset="0"/>
+              <a:cs typeface="Courier New" panose="02070309020205020404" pitchFamily="49" charset="0"/>
+            </a:endParaRPr>
           </a:p>
         </p:txBody>
       </p:sp>
@@ -12835,7 +12956,7 @@
       </p:sp>
       <p:pic>
         <p:nvPicPr>
-          <p:cNvPr id="5" name="Imagen 4"/>
+          <p:cNvPr id="4" name="Imagen 3"/>
           <p:cNvPicPr>
             <a:picLocks noChangeAspect="1"/>
           </p:cNvPicPr>
@@ -12849,23 +12970,18 @@
         </p:blipFill>
         <p:spPr>
           <a:xfrm>
-            <a:off x="2547937" y="2436584"/>
-            <a:ext cx="7096125" cy="3248025"/>
+            <a:off x="2347912" y="3372094"/>
+            <a:ext cx="7496175" cy="981075"/>
           </a:xfrm>
           <a:prstGeom prst="rect">
             <a:avLst/>
           </a:prstGeom>
-          <a:ln w="25400">
-            <a:solidFill>
-              <a:schemeClr val="bg1"/>
-            </a:solidFill>
-          </a:ln>
         </p:spPr>
       </p:pic>
     </p:spTree>
     <p:extLst>
       <p:ext uri="{BB962C8B-B14F-4D97-AF65-F5344CB8AC3E}">
-        <p14:creationId xmlns:p14="http://schemas.microsoft.com/office/powerpoint/2010/main" val="3651561373"/>
+        <p14:creationId xmlns:p14="http://schemas.microsoft.com/office/powerpoint/2010/main" val="1096143915"/>
       </p:ext>
     </p:extLst>
   </p:cSld>
@@ -12926,61 +13042,16 @@
             </a:pPr>
             <a:r>
               <a:rPr lang="es-ES" dirty="0" smtClean="0"/>
-              <a:t>Desplegar ya arrancar la </a:t>
-            </a:r>
-            <a:r>
-              <a:rPr lang="es-ES" dirty="0"/>
-              <a:t>aplicación.</a:t>
-            </a:r>
-          </a:p>
-          <a:p>
-            <a:pPr marL="0" indent="0">
-              <a:buNone/>
-            </a:pPr>
-            <a:endParaRPr lang="es-ES" dirty="0"/>
-          </a:p>
-          <a:p>
-            <a:pPr marL="0" indent="0">
-              <a:buNone/>
-            </a:pPr>
-            <a:r>
-              <a:rPr lang="es-ES" dirty="0" err="1">
-                <a:latin typeface="Courier New" panose="02070309020205020404" pitchFamily="49" charset="0"/>
-                <a:cs typeface="Courier New" panose="02070309020205020404" pitchFamily="49" charset="0"/>
-              </a:rPr>
-              <a:t>m</a:t>
-            </a:r>
-            <a:r>
-              <a:rPr lang="es-ES" dirty="0" err="1" smtClean="0">
-                <a:latin typeface="Courier New" panose="02070309020205020404" pitchFamily="49" charset="0"/>
-                <a:cs typeface="Courier New" panose="02070309020205020404" pitchFamily="49" charset="0"/>
-              </a:rPr>
-              <a:t>vn</a:t>
-            </a:r>
-            <a:r>
-              <a:rPr lang="es-ES" dirty="0" smtClean="0">
-                <a:latin typeface="Courier New" panose="02070309020205020404" pitchFamily="49" charset="0"/>
-                <a:cs typeface="Courier New" panose="02070309020205020404" pitchFamily="49" charset="0"/>
-              </a:rPr>
-              <a:t> </a:t>
-            </a:r>
-            <a:r>
-              <a:rPr lang="es-ES" dirty="0" err="1" smtClean="0">
-                <a:latin typeface="Courier New" panose="02070309020205020404" pitchFamily="49" charset="0"/>
-                <a:cs typeface="Courier New" panose="02070309020205020404" pitchFamily="49" charset="0"/>
-              </a:rPr>
-              <a:t>heroku:deploy</a:t>
-            </a:r>
-            <a:endParaRPr lang="es-ES" dirty="0">
-              <a:latin typeface="Courier New" panose="02070309020205020404" pitchFamily="49" charset="0"/>
-              <a:cs typeface="Courier New" panose="02070309020205020404" pitchFamily="49" charset="0"/>
-            </a:endParaRPr>
-          </a:p>
-          <a:p>
-            <a:pPr marL="0" indent="0" algn="just">
-              <a:buNone/>
-            </a:pPr>
-            <a:endParaRPr lang="es-ES" dirty="0" smtClean="0"/>
+              <a:t>Configurar el puerto asignado por </a:t>
+            </a:r>
+            <a:r>
+              <a:rPr lang="es-ES" dirty="0" err="1" smtClean="0"/>
+              <a:t>Heroku</a:t>
+            </a:r>
+            <a:r>
+              <a:rPr lang="es-ES" dirty="0" smtClean="0"/>
+              <a:t>.</a:t>
+            </a:r>
           </a:p>
         </p:txBody>
       </p:sp>
@@ -13022,7 +13093,7 @@
       </p:sp>
       <p:pic>
         <p:nvPicPr>
-          <p:cNvPr id="4" name="Imagen 3"/>
+          <p:cNvPr id="5" name="Imagen 4"/>
           <p:cNvPicPr>
             <a:picLocks noChangeAspect="1"/>
           </p:cNvPicPr>
@@ -13036,8 +13107,8 @@
         </p:blipFill>
         <p:spPr>
           <a:xfrm>
-            <a:off x="4393344" y="1847654"/>
-            <a:ext cx="7393843" cy="4769508"/>
+            <a:off x="2547937" y="2436584"/>
+            <a:ext cx="7096125" cy="3248025"/>
           </a:xfrm>
           <a:prstGeom prst="rect">
             <a:avLst/>
@@ -13049,56 +13120,10 @@
           </a:ln>
         </p:spPr>
       </p:pic>
-      <p:sp>
-        <p:nvSpPr>
-          <p:cNvPr id="6" name="Rectángulo 5"/>
-          <p:cNvSpPr/>
-          <p:nvPr/>
-        </p:nvSpPr>
-        <p:spPr>
-          <a:xfrm>
-            <a:off x="5938887" y="5081047"/>
-            <a:ext cx="4223208" cy="207390"/>
-          </a:xfrm>
-          <a:prstGeom prst="rect">
-            <a:avLst/>
-          </a:prstGeom>
-          <a:noFill/>
-          <a:ln>
-            <a:solidFill>
-              <a:srgbClr val="FF0000"/>
-            </a:solidFill>
-          </a:ln>
-        </p:spPr>
-        <p:style>
-          <a:lnRef idx="2">
-            <a:schemeClr val="accent1">
-              <a:shade val="50000"/>
-            </a:schemeClr>
-          </a:lnRef>
-          <a:fillRef idx="1">
-            <a:schemeClr val="accent1"/>
-          </a:fillRef>
-          <a:effectRef idx="0">
-            <a:schemeClr val="accent1"/>
-          </a:effectRef>
-          <a:fontRef idx="minor">
-            <a:schemeClr val="lt1"/>
-          </a:fontRef>
-        </p:style>
-        <p:txBody>
-          <a:bodyPr rtlCol="0" anchor="ctr"/>
-          <a:lstStyle/>
-          <a:p>
-            <a:pPr algn="ctr"/>
-            <a:endParaRPr lang="es-ES"/>
-          </a:p>
-        </p:txBody>
-      </p:sp>
     </p:spTree>
     <p:extLst>
       <p:ext uri="{BB962C8B-B14F-4D97-AF65-F5344CB8AC3E}">
-        <p14:creationId xmlns:p14="http://schemas.microsoft.com/office/powerpoint/2010/main" val="3995607625"/>
+        <p14:creationId xmlns:p14="http://schemas.microsoft.com/office/powerpoint/2010/main" val="3651561373"/>
       </p:ext>
     </p:extLst>
   </p:cSld>
@@ -13159,11 +13184,240 @@
             </a:pPr>
             <a:r>
               <a:rPr lang="es-ES" dirty="0" smtClean="0"/>
-              <a:t>Probar la </a:t>
-            </a:r>
-            <a:r>
-              <a:rPr lang="es-ES" dirty="0" smtClean="0"/>
-              <a:t>aplicación en cualquier navegador.</a:t>
+              <a:t>Desplegar ya arrancar la </a:t>
+            </a:r>
+            <a:r>
+              <a:rPr lang="es-ES" dirty="0"/>
+              <a:t>aplicación.</a:t>
+            </a:r>
+          </a:p>
+          <a:p>
+            <a:pPr marL="0" indent="0">
+              <a:buNone/>
+            </a:pPr>
+            <a:endParaRPr lang="es-ES" dirty="0"/>
+          </a:p>
+          <a:p>
+            <a:pPr marL="0" indent="0">
+              <a:buNone/>
+            </a:pPr>
+            <a:r>
+              <a:rPr lang="es-ES" dirty="0" err="1">
+                <a:latin typeface="Courier New" panose="02070309020205020404" pitchFamily="49" charset="0"/>
+                <a:cs typeface="Courier New" panose="02070309020205020404" pitchFamily="49" charset="0"/>
+              </a:rPr>
+              <a:t>m</a:t>
+            </a:r>
+            <a:r>
+              <a:rPr lang="es-ES" dirty="0" err="1" smtClean="0">
+                <a:latin typeface="Courier New" panose="02070309020205020404" pitchFamily="49" charset="0"/>
+                <a:cs typeface="Courier New" panose="02070309020205020404" pitchFamily="49" charset="0"/>
+              </a:rPr>
+              <a:t>vn</a:t>
+            </a:r>
+            <a:r>
+              <a:rPr lang="es-ES" dirty="0" smtClean="0">
+                <a:latin typeface="Courier New" panose="02070309020205020404" pitchFamily="49" charset="0"/>
+                <a:cs typeface="Courier New" panose="02070309020205020404" pitchFamily="49" charset="0"/>
+              </a:rPr>
+              <a:t> </a:t>
+            </a:r>
+            <a:r>
+              <a:rPr lang="es-ES" dirty="0" err="1" smtClean="0">
+                <a:latin typeface="Courier New" panose="02070309020205020404" pitchFamily="49" charset="0"/>
+                <a:cs typeface="Courier New" panose="02070309020205020404" pitchFamily="49" charset="0"/>
+              </a:rPr>
+              <a:t>heroku:deploy</a:t>
+            </a:r>
+            <a:endParaRPr lang="es-ES" dirty="0">
+              <a:latin typeface="Courier New" panose="02070309020205020404" pitchFamily="49" charset="0"/>
+              <a:cs typeface="Courier New" panose="02070309020205020404" pitchFamily="49" charset="0"/>
+            </a:endParaRPr>
+          </a:p>
+          <a:p>
+            <a:pPr marL="0" indent="0" algn="just">
+              <a:buNone/>
+            </a:pPr>
+            <a:endParaRPr lang="es-ES" dirty="0" smtClean="0"/>
+          </a:p>
+        </p:txBody>
+      </p:sp>
+      <p:sp>
+        <p:nvSpPr>
+          <p:cNvPr id="2" name="Título 1"/>
+          <p:cNvSpPr>
+            <a:spLocks noGrp="1"/>
+          </p:cNvSpPr>
+          <p:nvPr>
+            <p:ph type="title" idx="4294967295"/>
+          </p:nvPr>
+        </p:nvSpPr>
+        <p:spPr>
+          <a:xfrm>
+            <a:off x="534150" y="365126"/>
+            <a:ext cx="9981450" cy="759516"/>
+          </a:xfrm>
+        </p:spPr>
+        <p:txBody>
+          <a:bodyPr/>
+          <a:lstStyle/>
+          <a:p>
+            <a:r>
+              <a:rPr lang="es-ES" dirty="0" err="1" smtClean="0"/>
+              <a:t>Spark</a:t>
+            </a:r>
+            <a:r>
+              <a:rPr lang="es-ES" dirty="0" smtClean="0"/>
+              <a:t> en la nube con </a:t>
+            </a:r>
+            <a:r>
+              <a:rPr lang="es-ES" dirty="0" err="1" smtClean="0"/>
+              <a:t>Heroku</a:t>
+            </a:r>
+            <a:endParaRPr lang="es-ES" dirty="0"/>
+          </a:p>
+        </p:txBody>
+      </p:sp>
+      <p:pic>
+        <p:nvPicPr>
+          <p:cNvPr id="4" name="Imagen 3"/>
+          <p:cNvPicPr>
+            <a:picLocks noChangeAspect="1"/>
+          </p:cNvPicPr>
+          <p:nvPr/>
+        </p:nvPicPr>
+        <p:blipFill>
+          <a:blip r:embed="rId2"/>
+          <a:stretch>
+            <a:fillRect/>
+          </a:stretch>
+        </p:blipFill>
+        <p:spPr>
+          <a:xfrm>
+            <a:off x="4393344" y="1847654"/>
+            <a:ext cx="7393843" cy="4769508"/>
+          </a:xfrm>
+          <a:prstGeom prst="rect">
+            <a:avLst/>
+          </a:prstGeom>
+          <a:ln w="25400">
+            <a:solidFill>
+              <a:schemeClr val="bg1"/>
+            </a:solidFill>
+          </a:ln>
+        </p:spPr>
+      </p:pic>
+      <p:sp>
+        <p:nvSpPr>
+          <p:cNvPr id="6" name="Rectángulo 5"/>
+          <p:cNvSpPr/>
+          <p:nvPr/>
+        </p:nvSpPr>
+        <p:spPr>
+          <a:xfrm>
+            <a:off x="5938887" y="5081047"/>
+            <a:ext cx="4223208" cy="207390"/>
+          </a:xfrm>
+          <a:prstGeom prst="rect">
+            <a:avLst/>
+          </a:prstGeom>
+          <a:noFill/>
+          <a:ln>
+            <a:solidFill>
+              <a:srgbClr val="FF0000"/>
+            </a:solidFill>
+          </a:ln>
+        </p:spPr>
+        <p:style>
+          <a:lnRef idx="2">
+            <a:schemeClr val="accent1">
+              <a:shade val="50000"/>
+            </a:schemeClr>
+          </a:lnRef>
+          <a:fillRef idx="1">
+            <a:schemeClr val="accent1"/>
+          </a:fillRef>
+          <a:effectRef idx="0">
+            <a:schemeClr val="accent1"/>
+          </a:effectRef>
+          <a:fontRef idx="minor">
+            <a:schemeClr val="lt1"/>
+          </a:fontRef>
+        </p:style>
+        <p:txBody>
+          <a:bodyPr rtlCol="0" anchor="ctr"/>
+          <a:lstStyle/>
+          <a:p>
+            <a:pPr algn="ctr"/>
+            <a:endParaRPr lang="es-ES"/>
+          </a:p>
+        </p:txBody>
+      </p:sp>
+    </p:spTree>
+    <p:extLst>
+      <p:ext uri="{BB962C8B-B14F-4D97-AF65-F5344CB8AC3E}">
+        <p14:creationId xmlns:p14="http://schemas.microsoft.com/office/powerpoint/2010/main" val="3995607625"/>
+      </p:ext>
+    </p:extLst>
+  </p:cSld>
+  <p:clrMapOvr>
+    <a:masterClrMapping/>
+  </p:clrMapOvr>
+  <p:timing>
+    <p:tnLst>
+      <p:par>
+        <p:cTn id="1" dur="indefinite" restart="never" nodeType="tmRoot"/>
+      </p:par>
+    </p:tnLst>
+  </p:timing>
+</p:sld>
+</file>
+
+<file path=ppt/slides/slide34.xml><?xml version="1.0" encoding="utf-8"?>
+<p:sld xmlns:a="http://schemas.openxmlformats.org/drawingml/2006/main" xmlns:r="http://schemas.openxmlformats.org/officeDocument/2006/relationships" xmlns:p="http://schemas.openxmlformats.org/presentationml/2006/main">
+  <p:cSld>
+    <p:spTree>
+      <p:nvGrpSpPr>
+        <p:cNvPr id="1" name=""/>
+        <p:cNvGrpSpPr/>
+        <p:nvPr/>
+      </p:nvGrpSpPr>
+      <p:grpSpPr>
+        <a:xfrm>
+          <a:off x="0" y="0"/>
+          <a:ext cx="0" cy="0"/>
+          <a:chOff x="0" y="0"/>
+          <a:chExt cx="0" cy="0"/>
+        </a:xfrm>
+      </p:grpSpPr>
+      <p:sp>
+        <p:nvSpPr>
+          <p:cNvPr id="3" name="Marcador de contenido 2"/>
+          <p:cNvSpPr>
+            <a:spLocks noGrp="1"/>
+          </p:cNvSpPr>
+          <p:nvPr>
+            <p:ph idx="1"/>
+          </p:nvPr>
+        </p:nvSpPr>
+        <p:spPr>
+          <a:xfrm>
+            <a:off x="639023" y="1427271"/>
+            <a:ext cx="10904145" cy="4928261"/>
+          </a:xfrm>
+        </p:spPr>
+        <p:txBody>
+          <a:bodyPr>
+            <a:normAutofit/>
+          </a:bodyPr>
+          <a:lstStyle/>
+          <a:p>
+            <a:pPr marL="0" indent="0" algn="just">
+              <a:buNone/>
+            </a:pPr>
+            <a:r>
+              <a:rPr lang="es-ES" dirty="0" smtClean="0"/>
+              <a:t>Probar la aplicación en cualquier navegador.</a:t>
             </a:r>
             <a:endParaRPr lang="es-ES" dirty="0"/>
           </a:p>
@@ -13284,7 +13538,7 @@
 </p:sld>
 </file>
 
-<file path=ppt/slides/slide34.xml><?xml version="1.0" encoding="utf-8"?>
+<file path=ppt/slides/slide35.xml><?xml version="1.0" encoding="utf-8"?>
 <p:sld xmlns:a="http://schemas.openxmlformats.org/drawingml/2006/main" xmlns:r="http://schemas.openxmlformats.org/officeDocument/2006/relationships" xmlns:p="http://schemas.openxmlformats.org/presentationml/2006/main">
   <p:cSld>
     <p:spTree>
@@ -13733,7 +13987,15 @@
             </a:pPr>
             <a:r>
               <a:rPr lang="es-ES" sz="3600" b="1" dirty="0" smtClean="0"/>
-              <a:t>Ahora os toma crear y practicar.</a:t>
+              <a:t>Ahora os </a:t>
+            </a:r>
+            <a:r>
+              <a:rPr lang="es-ES" sz="3600" b="1" dirty="0" smtClean="0"/>
+              <a:t>toca </a:t>
+            </a:r>
+            <a:r>
+              <a:rPr lang="es-ES" sz="3600" b="1" dirty="0" smtClean="0"/>
+              <a:t>crear y practicar.</a:t>
             </a:r>
           </a:p>
           <a:p>
@@ -13750,7 +14012,6 @@
               <a:rPr lang="es-ES" sz="3600" b="1" dirty="0" smtClean="0"/>
               <a:t>¡¡Manos a la obra!!</a:t>
             </a:r>
-            <a:endParaRPr lang="es-ES" sz="3600" b="1" dirty="0" smtClean="0"/>
           </a:p>
         </p:txBody>
       </p:sp>

--- a/MVC Java con Spark.pptx
+++ b/MVC Java con Spark.pptx
@@ -5,7 +5,7 @@
     <p:sldMasterId id="2147483660" r:id="rId1"/>
   </p:sldMasterIdLst>
   <p:notesMasterIdLst>
-    <p:notesMasterId r:id="rId37"/>
+    <p:notesMasterId r:id="rId39"/>
   </p:notesMasterIdLst>
   <p:sldIdLst>
     <p:sldId id="256" r:id="rId2"/>
@@ -42,7 +42,9 @@
     <p:sldId id="301" r:id="rId33"/>
     <p:sldId id="302" r:id="rId34"/>
     <p:sldId id="303" r:id="rId35"/>
-    <p:sldId id="270" r:id="rId36"/>
+    <p:sldId id="305" r:id="rId36"/>
+    <p:sldId id="306" r:id="rId37"/>
+    <p:sldId id="270" r:id="rId38"/>
   </p:sldIdLst>
   <p:sldSz cx="12192000" cy="6858000"/>
   <p:notesSz cx="6858000" cy="9144000"/>
@@ -231,7 +233,7 @@
           <a:p>
             <a:fld id="{64B9CBFC-75CF-4195-BC42-43B8E85212BD}" type="datetimeFigureOut">
               <a:rPr lang="es-ES" smtClean="0"/>
-              <a:t>21/02/2017</a:t>
+              <a:t>03/04/2017</a:t>
             </a:fld>
             <a:endParaRPr lang="es-ES"/>
           </a:p>
@@ -937,7 +939,7 @@
           <a:p>
             <a:fld id="{F50F98D6-4050-4563-907F-FD2BF242AD16}" type="datetimeFigureOut">
               <a:rPr lang="es-ES" smtClean="0"/>
-              <a:t>21/02/2017</a:t>
+              <a:t>03/04/2017</a:t>
             </a:fld>
             <a:endParaRPr lang="es-ES"/>
           </a:p>
@@ -1220,7 +1222,7 @@
           <a:p>
             <a:fld id="{F50F98D6-4050-4563-907F-FD2BF242AD16}" type="datetimeFigureOut">
               <a:rPr lang="es-ES" smtClean="0"/>
-              <a:t>21/02/2017</a:t>
+              <a:t>03/04/2017</a:t>
             </a:fld>
             <a:endParaRPr lang="es-ES"/>
           </a:p>
@@ -1422,7 +1424,7 @@
           <a:p>
             <a:fld id="{F50F98D6-4050-4563-907F-FD2BF242AD16}" type="datetimeFigureOut">
               <a:rPr lang="es-ES" smtClean="0"/>
-              <a:t>21/02/2017</a:t>
+              <a:t>03/04/2017</a:t>
             </a:fld>
             <a:endParaRPr lang="es-ES"/>
           </a:p>
@@ -1703,7 +1705,7 @@
           <a:p>
             <a:fld id="{F50F98D6-4050-4563-907F-FD2BF242AD16}" type="datetimeFigureOut">
               <a:rPr lang="es-ES" smtClean="0"/>
-              <a:t>21/02/2017</a:t>
+              <a:t>03/04/2017</a:t>
             </a:fld>
             <a:endParaRPr lang="es-ES"/>
           </a:p>
@@ -2052,7 +2054,7 @@
           <a:p>
             <a:fld id="{F50F98D6-4050-4563-907F-FD2BF242AD16}" type="datetimeFigureOut">
               <a:rPr lang="es-ES" smtClean="0"/>
-              <a:t>21/02/2017</a:t>
+              <a:t>03/04/2017</a:t>
             </a:fld>
             <a:endParaRPr lang="es-ES"/>
           </a:p>
@@ -2683,7 +2685,7 @@
           <a:p>
             <a:fld id="{F50F98D6-4050-4563-907F-FD2BF242AD16}" type="datetimeFigureOut">
               <a:rPr lang="es-ES" smtClean="0"/>
-              <a:t>21/02/2017</a:t>
+              <a:t>03/04/2017</a:t>
             </a:fld>
             <a:endParaRPr lang="es-ES"/>
           </a:p>
@@ -3551,7 +3553,7 @@
           <a:p>
             <a:fld id="{F50F98D6-4050-4563-907F-FD2BF242AD16}" type="datetimeFigureOut">
               <a:rPr lang="es-ES" smtClean="0"/>
-              <a:t>21/02/2017</a:t>
+              <a:t>03/04/2017</a:t>
             </a:fld>
             <a:endParaRPr lang="es-ES"/>
           </a:p>
@@ -3729,7 +3731,7 @@
           <a:p>
             <a:fld id="{F50F98D6-4050-4563-907F-FD2BF242AD16}" type="datetimeFigureOut">
               <a:rPr lang="es-ES" smtClean="0"/>
-              <a:t>21/02/2017</a:t>
+              <a:t>03/04/2017</a:t>
             </a:fld>
             <a:endParaRPr lang="es-ES"/>
           </a:p>
@@ -3917,7 +3919,7 @@
           <a:p>
             <a:fld id="{F50F98D6-4050-4563-907F-FD2BF242AD16}" type="datetimeFigureOut">
               <a:rPr lang="es-ES" smtClean="0"/>
-              <a:t>21/02/2017</a:t>
+              <a:t>03/04/2017</a:t>
             </a:fld>
             <a:endParaRPr lang="es-ES"/>
           </a:p>
@@ -4072,7 +4074,7 @@
           <a:p>
             <a:fld id="{F50F98D6-4050-4563-907F-FD2BF242AD16}" type="datetimeFigureOut">
               <a:rPr lang="es-ES" smtClean="0"/>
-              <a:t>21/02/2017</a:t>
+              <a:t>03/04/2017</a:t>
             </a:fld>
             <a:endParaRPr lang="es-ES"/>
           </a:p>
@@ -4227,7 +4229,7 @@
           <a:p>
             <a:fld id="{F50F98D6-4050-4563-907F-FD2BF242AD16}" type="datetimeFigureOut">
               <a:rPr lang="es-ES" smtClean="0"/>
-              <a:t>21/02/2017</a:t>
+              <a:t>03/04/2017</a:t>
             </a:fld>
             <a:endParaRPr lang="es-ES"/>
           </a:p>
@@ -4405,7 +4407,7 @@
           <a:p>
             <a:fld id="{F50F98D6-4050-4563-907F-FD2BF242AD16}" type="datetimeFigureOut">
               <a:rPr lang="es-ES" smtClean="0"/>
-              <a:t>21/02/2017</a:t>
+              <a:t>03/04/2017</a:t>
             </a:fld>
             <a:endParaRPr lang="es-ES"/>
           </a:p>
@@ -4560,7 +4562,7 @@
           <a:p>
             <a:fld id="{F50F98D6-4050-4563-907F-FD2BF242AD16}" type="datetimeFigureOut">
               <a:rPr lang="es-ES" smtClean="0"/>
-              <a:t>21/02/2017</a:t>
+              <a:t>03/04/2017</a:t>
             </a:fld>
             <a:endParaRPr lang="es-ES"/>
           </a:p>
@@ -4815,7 +4817,7 @@
           <a:p>
             <a:fld id="{F50F98D6-4050-4563-907F-FD2BF242AD16}" type="datetimeFigureOut">
               <a:rPr lang="es-ES" smtClean="0"/>
-              <a:t>21/02/2017</a:t>
+              <a:t>03/04/2017</a:t>
             </a:fld>
             <a:endParaRPr lang="es-ES"/>
           </a:p>
@@ -5115,7 +5117,7 @@
           <a:p>
             <a:fld id="{F50F98D6-4050-4563-907F-FD2BF242AD16}" type="datetimeFigureOut">
               <a:rPr lang="es-ES" smtClean="0"/>
-              <a:t>21/02/2017</a:t>
+              <a:t>03/04/2017</a:t>
             </a:fld>
             <a:endParaRPr lang="es-ES"/>
           </a:p>
@@ -5567,7 +5569,7 @@
           <a:p>
             <a:fld id="{F50F98D6-4050-4563-907F-FD2BF242AD16}" type="datetimeFigureOut">
               <a:rPr lang="es-ES" smtClean="0"/>
-              <a:t>21/02/2017</a:t>
+              <a:t>03/04/2017</a:t>
             </a:fld>
             <a:endParaRPr lang="es-ES"/>
           </a:p>
@@ -5693,7 +5695,7 @@
           <a:p>
             <a:fld id="{F50F98D6-4050-4563-907F-FD2BF242AD16}" type="datetimeFigureOut">
               <a:rPr lang="es-ES" smtClean="0"/>
-              <a:t>21/02/2017</a:t>
+              <a:t>03/04/2017</a:t>
             </a:fld>
             <a:endParaRPr lang="es-ES"/>
           </a:p>
@@ -5796,7 +5798,7 @@
           <a:p>
             <a:fld id="{F50F98D6-4050-4563-907F-FD2BF242AD16}" type="datetimeFigureOut">
               <a:rPr lang="es-ES" smtClean="0"/>
-              <a:t>21/02/2017</a:t>
+              <a:t>03/04/2017</a:t>
             </a:fld>
             <a:endParaRPr lang="es-ES"/>
           </a:p>
@@ -6083,7 +6085,7 @@
           <a:p>
             <a:fld id="{F50F98D6-4050-4563-907F-FD2BF242AD16}" type="datetimeFigureOut">
               <a:rPr lang="es-ES" smtClean="0"/>
-              <a:t>21/02/2017</a:t>
+              <a:t>03/04/2017</a:t>
             </a:fld>
             <a:endParaRPr lang="es-ES"/>
           </a:p>
@@ -6366,7 +6368,7 @@
           <a:p>
             <a:fld id="{F50F98D6-4050-4563-907F-FD2BF242AD16}" type="datetimeFigureOut">
               <a:rPr lang="es-ES" smtClean="0"/>
-              <a:t>21/02/2017</a:t>
+              <a:t>03/04/2017</a:t>
             </a:fld>
             <a:endParaRPr lang="es-ES"/>
           </a:p>
@@ -6767,7 +6769,7 @@
           <a:p>
             <a:fld id="{F50F98D6-4050-4563-907F-FD2BF242AD16}" type="datetimeFigureOut">
               <a:rPr lang="es-ES" smtClean="0"/>
-              <a:t>21/02/2017</a:t>
+              <a:t>03/04/2017</a:t>
             </a:fld>
             <a:endParaRPr lang="es-ES"/>
           </a:p>
@@ -7801,7 +7803,6 @@
               <a:rPr lang="en-US" dirty="0" smtClean="0"/>
               <a:t>: </a:t>
             </a:r>
-            <a:endParaRPr lang="en-US" dirty="0" smtClean="0"/>
           </a:p>
           <a:p>
             <a:pPr marL="0" indent="0">
@@ -13227,6 +13228,20 @@
                 <a:latin typeface="Courier New" panose="02070309020205020404" pitchFamily="49" charset="0"/>
                 <a:cs typeface="Courier New" panose="02070309020205020404" pitchFamily="49" charset="0"/>
               </a:rPr>
+              <a:t>clean</a:t>
+            </a:r>
+            <a:r>
+              <a:rPr lang="es-ES" dirty="0" smtClean="0">
+                <a:latin typeface="Courier New" panose="02070309020205020404" pitchFamily="49" charset="0"/>
+                <a:cs typeface="Courier New" panose="02070309020205020404" pitchFamily="49" charset="0"/>
+              </a:rPr>
+              <a:t> </a:t>
+            </a:r>
+            <a:r>
+              <a:rPr lang="es-ES" dirty="0" err="1" smtClean="0">
+                <a:latin typeface="Courier New" panose="02070309020205020404" pitchFamily="49" charset="0"/>
+                <a:cs typeface="Courier New" panose="02070309020205020404" pitchFamily="49" charset="0"/>
+              </a:rPr>
               <a:t>heroku:deploy</a:t>
             </a:r>
             <a:endParaRPr lang="es-ES" dirty="0">
@@ -13286,16 +13301,15 @@
           </p:cNvPicPr>
           <p:nvPr/>
         </p:nvPicPr>
-        <p:blipFill>
+        <p:blipFill rotWithShape="1">
           <a:blip r:embed="rId2"/>
-          <a:stretch>
-            <a:fillRect/>
-          </a:stretch>
+          <a:srcRect r="13096"/>
+          <a:stretch/>
         </p:blipFill>
         <p:spPr>
           <a:xfrm>
-            <a:off x="4393344" y="1847654"/>
-            <a:ext cx="7393843" cy="4769508"/>
+            <a:off x="5117618" y="1847654"/>
+            <a:ext cx="6425548" cy="4769508"/>
           </a:xfrm>
           <a:prstGeom prst="rect">
             <a:avLst/>
@@ -13315,7 +13329,7 @@
         </p:nvSpPr>
         <p:spPr>
           <a:xfrm>
-            <a:off x="5938887" y="5081047"/>
+            <a:off x="6626950" y="5081047"/>
             <a:ext cx="4223208" cy="207390"/>
           </a:xfrm>
           <a:prstGeom prst="rect">
@@ -13539,6 +13553,525 @@
 </file>
 
 <file path=ppt/slides/slide35.xml><?xml version="1.0" encoding="utf-8"?>
+<p:sld xmlns:a="http://schemas.openxmlformats.org/drawingml/2006/main" xmlns:r="http://schemas.openxmlformats.org/officeDocument/2006/relationships" xmlns:p="http://schemas.openxmlformats.org/presentationml/2006/main">
+  <p:cSld>
+    <p:spTree>
+      <p:nvGrpSpPr>
+        <p:cNvPr id="1" name=""/>
+        <p:cNvGrpSpPr/>
+        <p:nvPr/>
+      </p:nvGrpSpPr>
+      <p:grpSpPr>
+        <a:xfrm>
+          <a:off x="0" y="0"/>
+          <a:ext cx="0" cy="0"/>
+          <a:chOff x="0" y="0"/>
+          <a:chExt cx="0" cy="0"/>
+        </a:xfrm>
+      </p:grpSpPr>
+      <p:sp>
+        <p:nvSpPr>
+          <p:cNvPr id="3" name="Marcador de contenido 2"/>
+          <p:cNvSpPr>
+            <a:spLocks noGrp="1"/>
+          </p:cNvSpPr>
+          <p:nvPr>
+            <p:ph idx="1"/>
+          </p:nvPr>
+        </p:nvSpPr>
+        <p:spPr>
+          <a:xfrm>
+            <a:off x="838199" y="1581186"/>
+            <a:ext cx="10016905" cy="4855828"/>
+          </a:xfrm>
+        </p:spPr>
+        <p:txBody>
+          <a:bodyPr>
+            <a:normAutofit/>
+          </a:bodyPr>
+          <a:lstStyle/>
+          <a:p>
+            <a:pPr marL="0" indent="0">
+              <a:buNone/>
+            </a:pPr>
+            <a:r>
+              <a:rPr lang="es-ES" b="1" dirty="0" smtClean="0"/>
+              <a:t>Almacenamiento en la nube </a:t>
+            </a:r>
+            <a:r>
+              <a:rPr lang="es-ES" b="1" dirty="0" err="1" smtClean="0"/>
+              <a:t>MyMega</a:t>
+            </a:r>
+            <a:r>
+              <a:rPr lang="en-US" dirty="0" smtClean="0"/>
+              <a:t>:</a:t>
+            </a:r>
+          </a:p>
+          <a:p>
+            <a:pPr marL="0" indent="0">
+              <a:buNone/>
+            </a:pPr>
+            <a:r>
+              <a:rPr lang="en-US" dirty="0" err="1" smtClean="0"/>
+              <a:t>Aplicación</a:t>
+            </a:r>
+            <a:r>
+              <a:rPr lang="en-US" dirty="0" smtClean="0"/>
+              <a:t> similar a Mega </a:t>
+            </a:r>
+            <a:r>
+              <a:rPr lang="en-US" dirty="0" err="1" smtClean="0"/>
+              <a:t>donde</a:t>
+            </a:r>
+            <a:r>
+              <a:rPr lang="en-US" dirty="0" smtClean="0"/>
+              <a:t> </a:t>
+            </a:r>
+            <a:r>
+              <a:rPr lang="en-US" dirty="0" err="1" smtClean="0"/>
+              <a:t>poder</a:t>
+            </a:r>
+            <a:r>
+              <a:rPr lang="en-US" dirty="0" smtClean="0"/>
+              <a:t> </a:t>
+            </a:r>
+            <a:r>
+              <a:rPr lang="en-US" dirty="0" err="1" smtClean="0"/>
+              <a:t>subir</a:t>
+            </a:r>
+            <a:r>
+              <a:rPr lang="en-US" dirty="0" smtClean="0"/>
+              <a:t> </a:t>
+            </a:r>
+            <a:r>
+              <a:rPr lang="en-US" dirty="0" err="1" smtClean="0"/>
+              <a:t>documentos</a:t>
+            </a:r>
+            <a:r>
+              <a:rPr lang="en-US" dirty="0" smtClean="0"/>
+              <a:t> para </a:t>
+            </a:r>
+            <a:r>
+              <a:rPr lang="en-US" dirty="0" err="1" smtClean="0"/>
+              <a:t>compartilos</a:t>
+            </a:r>
+            <a:r>
+              <a:rPr lang="en-US" dirty="0" smtClean="0"/>
+              <a:t>.</a:t>
+            </a:r>
+            <a:endParaRPr lang="en-US" dirty="0" smtClean="0"/>
+          </a:p>
+          <a:p>
+            <a:pPr marL="0" indent="0">
+              <a:buNone/>
+            </a:pPr>
+            <a:endParaRPr lang="en-US" dirty="0" smtClean="0">
+              <a:latin typeface="Courier New" panose="02070309020205020404" pitchFamily="49" charset="0"/>
+              <a:cs typeface="Courier New" panose="02070309020205020404" pitchFamily="49" charset="0"/>
+            </a:endParaRPr>
+          </a:p>
+          <a:p>
+            <a:r>
+              <a:rPr lang="en-US" b="1" dirty="0" smtClean="0"/>
+              <a:t>Base de </a:t>
+            </a:r>
+            <a:r>
+              <a:rPr lang="en-US" b="1" dirty="0" err="1" smtClean="0"/>
+              <a:t>datos</a:t>
+            </a:r>
+            <a:r>
+              <a:rPr lang="en-US" b="1" dirty="0" smtClean="0"/>
+              <a:t> </a:t>
+            </a:r>
+            <a:r>
+              <a:rPr lang="en-US" b="1" dirty="0" err="1" smtClean="0"/>
+              <a:t>PostgreSQL</a:t>
+            </a:r>
+            <a:r>
+              <a:rPr lang="en-US" dirty="0" smtClean="0"/>
+              <a:t>:</a:t>
+            </a:r>
+            <a:endParaRPr lang="en-US" dirty="0"/>
+          </a:p>
+          <a:p>
+            <a:pPr marL="0" indent="0">
+              <a:buNone/>
+            </a:pPr>
+            <a:r>
+              <a:rPr lang="es-ES" i="1" dirty="0" err="1"/>
+              <a:t>heroku</a:t>
+            </a:r>
+            <a:r>
+              <a:rPr lang="es-ES" i="1" dirty="0"/>
+              <a:t> </a:t>
+            </a:r>
+            <a:r>
+              <a:rPr lang="es-ES" i="1" dirty="0" err="1"/>
+              <a:t>addons:create</a:t>
+            </a:r>
+            <a:r>
+              <a:rPr lang="es-ES" i="1" dirty="0"/>
+              <a:t> </a:t>
+            </a:r>
+            <a:r>
+              <a:rPr lang="es-ES" i="1" dirty="0" err="1"/>
+              <a:t>heroku-postgresql</a:t>
+            </a:r>
+            <a:r>
+              <a:rPr lang="es-ES" i="1" dirty="0"/>
+              <a:t> --app </a:t>
+            </a:r>
+            <a:r>
+              <a:rPr lang="es-ES" i="1" dirty="0" err="1" smtClean="0"/>
+              <a:t>my</a:t>
+            </a:r>
+            <a:r>
+              <a:rPr lang="es-ES" i="1" dirty="0" smtClean="0"/>
+              <a:t>-mega</a:t>
+            </a:r>
+          </a:p>
+          <a:p>
+            <a:pPr marL="0" indent="0">
+              <a:buNone/>
+            </a:pPr>
+            <a:r>
+              <a:rPr lang="es-ES" i="1" dirty="0" err="1"/>
+              <a:t>heroku</a:t>
+            </a:r>
+            <a:r>
+              <a:rPr lang="es-ES" i="1" dirty="0"/>
+              <a:t> </a:t>
+            </a:r>
+            <a:r>
+              <a:rPr lang="es-ES" i="1" dirty="0" err="1"/>
+              <a:t>config</a:t>
+            </a:r>
+            <a:r>
+              <a:rPr lang="es-ES" i="1" dirty="0"/>
+              <a:t> --app </a:t>
+            </a:r>
+            <a:r>
+              <a:rPr lang="es-ES" i="1" dirty="0" err="1" smtClean="0"/>
+              <a:t>my</a:t>
+            </a:r>
+            <a:r>
+              <a:rPr lang="es-ES" i="1" dirty="0" smtClean="0"/>
+              <a:t>-mega</a:t>
+            </a:r>
+          </a:p>
+          <a:p>
+            <a:pPr marL="0" indent="0">
+              <a:buNone/>
+            </a:pPr>
+            <a:r>
+              <a:rPr lang="es-ES" i="1" dirty="0" err="1"/>
+              <a:t>heroku</a:t>
+            </a:r>
+            <a:r>
+              <a:rPr lang="es-ES" i="1" dirty="0"/>
+              <a:t> run echo \$JDBC_DATABASE_URL --app </a:t>
+            </a:r>
+            <a:r>
+              <a:rPr lang="es-ES" i="1" dirty="0" err="1"/>
+              <a:t>my</a:t>
+            </a:r>
+            <a:r>
+              <a:rPr lang="es-ES" i="1" dirty="0"/>
+              <a:t>-mega</a:t>
+            </a:r>
+            <a:endParaRPr lang="es-ES" i="1" dirty="0" smtClean="0"/>
+          </a:p>
+          <a:p>
+            <a:pPr marL="0" indent="0">
+              <a:buNone/>
+            </a:pPr>
+            <a:endParaRPr lang="en-US" dirty="0" smtClean="0">
+              <a:latin typeface="Courier New" panose="02070309020205020404" pitchFamily="49" charset="0"/>
+              <a:cs typeface="Courier New" panose="02070309020205020404" pitchFamily="49" charset="0"/>
+            </a:endParaRPr>
+          </a:p>
+          <a:p>
+            <a:r>
+              <a:rPr lang="en-US" b="1" dirty="0" err="1" smtClean="0"/>
+              <a:t>Aplicación</a:t>
+            </a:r>
+            <a:r>
+              <a:rPr lang="en-US" b="1" dirty="0" smtClean="0"/>
+              <a:t> base en </a:t>
+            </a:r>
+            <a:r>
+              <a:rPr lang="en-US" b="1" dirty="0" err="1" smtClean="0"/>
+              <a:t>github</a:t>
+            </a:r>
+            <a:r>
+              <a:rPr lang="en-US" dirty="0" smtClean="0"/>
+              <a:t>:</a:t>
+            </a:r>
+          </a:p>
+          <a:p>
+            <a:pPr marL="0" indent="0">
+              <a:buNone/>
+            </a:pPr>
+            <a:r>
+              <a:rPr lang="en-US" i="1" dirty="0"/>
+              <a:t>https://github.com/flparedes/TallerSpark/tree/master/MyMega</a:t>
+            </a:r>
+            <a:endParaRPr lang="en-US" i="1" dirty="0"/>
+          </a:p>
+        </p:txBody>
+      </p:sp>
+      <p:sp>
+        <p:nvSpPr>
+          <p:cNvPr id="2" name="Título 1"/>
+          <p:cNvSpPr>
+            <a:spLocks noGrp="1"/>
+          </p:cNvSpPr>
+          <p:nvPr>
+            <p:ph type="title" idx="4294967295"/>
+          </p:nvPr>
+        </p:nvSpPr>
+        <p:spPr>
+          <a:xfrm>
+            <a:off x="534150" y="365126"/>
+            <a:ext cx="9981450" cy="759516"/>
+          </a:xfrm>
+        </p:spPr>
+        <p:txBody>
+          <a:bodyPr/>
+          <a:lstStyle/>
+          <a:p>
+            <a:r>
+              <a:rPr lang="es-ES" dirty="0" smtClean="0"/>
+              <a:t>Ejercicio</a:t>
+            </a:r>
+            <a:endParaRPr lang="es-ES" dirty="0"/>
+          </a:p>
+        </p:txBody>
+      </p:sp>
+    </p:spTree>
+    <p:extLst>
+      <p:ext uri="{BB962C8B-B14F-4D97-AF65-F5344CB8AC3E}">
+        <p14:creationId xmlns:p14="http://schemas.microsoft.com/office/powerpoint/2010/main" val="1890022022"/>
+      </p:ext>
+    </p:extLst>
+  </p:cSld>
+  <p:clrMapOvr>
+    <a:masterClrMapping/>
+  </p:clrMapOvr>
+  <p:timing>
+    <p:tnLst>
+      <p:par>
+        <p:cTn id="1" dur="indefinite" restart="never" nodeType="tmRoot"/>
+      </p:par>
+    </p:tnLst>
+  </p:timing>
+</p:sld>
+</file>
+
+<file path=ppt/slides/slide36.xml><?xml version="1.0" encoding="utf-8"?>
+<p:sld xmlns:a="http://schemas.openxmlformats.org/drawingml/2006/main" xmlns:r="http://schemas.openxmlformats.org/officeDocument/2006/relationships" xmlns:p="http://schemas.openxmlformats.org/presentationml/2006/main">
+  <p:cSld>
+    <p:spTree>
+      <p:nvGrpSpPr>
+        <p:cNvPr id="1" name=""/>
+        <p:cNvGrpSpPr/>
+        <p:nvPr/>
+      </p:nvGrpSpPr>
+      <p:grpSpPr>
+        <a:xfrm>
+          <a:off x="0" y="0"/>
+          <a:ext cx="0" cy="0"/>
+          <a:chOff x="0" y="0"/>
+          <a:chExt cx="0" cy="0"/>
+        </a:xfrm>
+      </p:grpSpPr>
+      <p:sp>
+        <p:nvSpPr>
+          <p:cNvPr id="3" name="Marcador de contenido 2"/>
+          <p:cNvSpPr>
+            <a:spLocks noGrp="1"/>
+          </p:cNvSpPr>
+          <p:nvPr>
+            <p:ph idx="1"/>
+          </p:nvPr>
+        </p:nvSpPr>
+        <p:spPr>
+          <a:xfrm>
+            <a:off x="838199" y="1581186"/>
+            <a:ext cx="10016905" cy="4068176"/>
+          </a:xfrm>
+        </p:spPr>
+        <p:txBody>
+          <a:bodyPr>
+            <a:normAutofit/>
+          </a:bodyPr>
+          <a:lstStyle/>
+          <a:p>
+            <a:pPr marL="0" indent="0">
+              <a:buNone/>
+            </a:pPr>
+            <a:r>
+              <a:rPr lang="es-ES" b="1" dirty="0" smtClean="0"/>
+              <a:t>Mejoras para </a:t>
+            </a:r>
+            <a:r>
+              <a:rPr lang="es-ES" b="1" dirty="0" err="1" smtClean="0"/>
+              <a:t>MyMega</a:t>
+            </a:r>
+            <a:r>
+              <a:rPr lang="en-US" dirty="0" smtClean="0"/>
+              <a:t>:</a:t>
+            </a:r>
+            <a:endParaRPr lang="en-US" dirty="0">
+              <a:latin typeface="Courier New" panose="02070309020205020404" pitchFamily="49" charset="0"/>
+              <a:cs typeface="Courier New" panose="02070309020205020404" pitchFamily="49" charset="0"/>
+            </a:endParaRPr>
+          </a:p>
+          <a:p>
+            <a:r>
+              <a:rPr lang="en-US" b="1" dirty="0" err="1" smtClean="0"/>
+              <a:t>Descarga</a:t>
+            </a:r>
+            <a:r>
+              <a:rPr lang="en-US" b="1" dirty="0" smtClean="0"/>
+              <a:t> con </a:t>
+            </a:r>
+            <a:r>
+              <a:rPr lang="en-US" b="1" dirty="0" err="1" smtClean="0"/>
+              <a:t>contraseña</a:t>
+            </a:r>
+            <a:r>
+              <a:rPr lang="en-US" b="1" dirty="0" smtClean="0"/>
+              <a:t>.</a:t>
+            </a:r>
+          </a:p>
+          <a:p>
+            <a:r>
+              <a:rPr lang="en-US" b="1" dirty="0" err="1" smtClean="0"/>
+              <a:t>Caducidad</a:t>
+            </a:r>
+            <a:r>
+              <a:rPr lang="en-US" b="1" dirty="0" smtClean="0"/>
+              <a:t> de </a:t>
+            </a:r>
+            <a:r>
+              <a:rPr lang="en-US" b="1" dirty="0" err="1" smtClean="0"/>
+              <a:t>documentos</a:t>
+            </a:r>
+            <a:r>
+              <a:rPr lang="en-US" b="1" dirty="0" smtClean="0"/>
+              <a:t>.</a:t>
+            </a:r>
+          </a:p>
+          <a:p>
+            <a:r>
+              <a:rPr lang="en-US" b="1" dirty="0" err="1" smtClean="0"/>
+              <a:t>Generar</a:t>
+            </a:r>
+            <a:r>
+              <a:rPr lang="en-US" b="1" dirty="0" smtClean="0"/>
+              <a:t> enlaces de </a:t>
+            </a:r>
+            <a:r>
+              <a:rPr lang="en-US" b="1" dirty="0" err="1" smtClean="0"/>
+              <a:t>descarga</a:t>
+            </a:r>
+            <a:r>
+              <a:rPr lang="en-US" b="1" dirty="0" smtClean="0"/>
+              <a:t> con </a:t>
+            </a:r>
+            <a:r>
+              <a:rPr lang="en-US" b="1" dirty="0" err="1" smtClean="0"/>
+              <a:t>contraseña</a:t>
+            </a:r>
+            <a:r>
+              <a:rPr lang="en-US" b="1" dirty="0" smtClean="0"/>
+              <a:t> </a:t>
+            </a:r>
+            <a:r>
+              <a:rPr lang="en-US" b="1" dirty="0" err="1" smtClean="0"/>
+              <a:t>incrustada</a:t>
+            </a:r>
+            <a:r>
+              <a:rPr lang="en-US" b="1" dirty="0" smtClean="0"/>
+              <a:t>.</a:t>
+            </a:r>
+            <a:endParaRPr lang="en-US" dirty="0" smtClean="0"/>
+          </a:p>
+        </p:txBody>
+      </p:sp>
+      <p:sp>
+        <p:nvSpPr>
+          <p:cNvPr id="2" name="Título 1"/>
+          <p:cNvSpPr>
+            <a:spLocks noGrp="1"/>
+          </p:cNvSpPr>
+          <p:nvPr>
+            <p:ph type="title" idx="4294967295"/>
+          </p:nvPr>
+        </p:nvSpPr>
+        <p:spPr>
+          <a:xfrm>
+            <a:off x="534150" y="365126"/>
+            <a:ext cx="9981450" cy="759516"/>
+          </a:xfrm>
+        </p:spPr>
+        <p:txBody>
+          <a:bodyPr/>
+          <a:lstStyle/>
+          <a:p>
+            <a:r>
+              <a:rPr lang="es-ES" dirty="0" smtClean="0"/>
+              <a:t>Ejercicio</a:t>
+            </a:r>
+            <a:endParaRPr lang="es-ES" dirty="0"/>
+          </a:p>
+        </p:txBody>
+      </p:sp>
+      <p:pic>
+        <p:nvPicPr>
+          <p:cNvPr id="4" name="Imagen 3"/>
+          <p:cNvPicPr>
+            <a:picLocks noChangeAspect="1"/>
+          </p:cNvPicPr>
+          <p:nvPr/>
+        </p:nvPicPr>
+        <p:blipFill rotWithShape="1">
+          <a:blip r:embed="rId2"/>
+          <a:srcRect t="18270" b="3546"/>
+          <a:stretch/>
+        </p:blipFill>
+        <p:spPr>
+          <a:xfrm>
+            <a:off x="2648941" y="3423651"/>
+            <a:ext cx="6894119" cy="3017233"/>
+          </a:xfrm>
+          <a:prstGeom prst="rect">
+            <a:avLst/>
+          </a:prstGeom>
+        </p:spPr>
+      </p:pic>
+    </p:spTree>
+    <p:extLst>
+      <p:ext uri="{BB962C8B-B14F-4D97-AF65-F5344CB8AC3E}">
+        <p14:creationId xmlns:p14="http://schemas.microsoft.com/office/powerpoint/2010/main" val="131330779"/>
+      </p:ext>
+    </p:extLst>
+  </p:cSld>
+  <p:clrMapOvr>
+    <a:masterClrMapping/>
+  </p:clrMapOvr>
+  <p:timing>
+    <p:tnLst>
+      <p:par>
+        <p:cTn id="1" dur="indefinite" restart="never" nodeType="tmRoot"/>
+      </p:par>
+    </p:tnLst>
+  </p:timing>
+</p:sld>
+</file>
+
+<file path=ppt/slides/slide37.xml><?xml version="1.0" encoding="utf-8"?>
 <p:sld xmlns:a="http://schemas.openxmlformats.org/drawingml/2006/main" xmlns:r="http://schemas.openxmlformats.org/officeDocument/2006/relationships" xmlns:p="http://schemas.openxmlformats.org/presentationml/2006/main">
   <p:cSld>
     <p:spTree>
@@ -13987,15 +14520,7 @@
             </a:pPr>
             <a:r>
               <a:rPr lang="es-ES" sz="3600" b="1" dirty="0" smtClean="0"/>
-              <a:t>Ahora os </a:t>
-            </a:r>
-            <a:r>
-              <a:rPr lang="es-ES" sz="3600" b="1" dirty="0" smtClean="0"/>
-              <a:t>toca </a:t>
-            </a:r>
-            <a:r>
-              <a:rPr lang="es-ES" sz="3600" b="1" dirty="0" smtClean="0"/>
-              <a:t>crear y practicar.</a:t>
+              <a:t>Ahora os toca crear y practicar.</a:t>
             </a:r>
           </a:p>
           <a:p>
